--- a/pl-2(完成版).pptx
+++ b/pl-2(完成版).pptx
@@ -5,7 +5,7 @@
     <p:sldMasterId id="2147483686" r:id="rId1"/>
   </p:sldMasterIdLst>
   <p:notesMasterIdLst>
-    <p:notesMasterId r:id="rId13"/>
+    <p:notesMasterId r:id="rId12"/>
   </p:notesMasterIdLst>
   <p:sldIdLst>
     <p:sldId id="256" r:id="rId2"/>
@@ -15,10 +15,9 @@
     <p:sldId id="262" r:id="rId6"/>
     <p:sldId id="265" r:id="rId7"/>
     <p:sldId id="263" r:id="rId8"/>
-    <p:sldId id="264" r:id="rId9"/>
-    <p:sldId id="266" r:id="rId10"/>
-    <p:sldId id="267" r:id="rId11"/>
-    <p:sldId id="270" r:id="rId12"/>
+    <p:sldId id="266" r:id="rId9"/>
+    <p:sldId id="267" r:id="rId10"/>
+    <p:sldId id="270" r:id="rId11"/>
   </p:sldIdLst>
   <p:sldSz cx="9144000" cy="6858000" type="screen4x3"/>
   <p:notesSz cx="6858000" cy="9144000"/>
@@ -5633,10 +5632,9 @@
           <a:p>
             <a:pPr algn="ctr"/>
             <a:r>
-              <a:rPr lang="ja-JP" altLang="en-US" dirty="0"/>
-              <a:t>グループ機能</a:t>
-            </a:r>
-            <a:endParaRPr kumimoji="1" lang="ja-JP" altLang="en-US" dirty="0"/>
+              <a:rPr kumimoji="1" lang="ja-JP" altLang="en-US" dirty="0"/>
+              <a:t>デモプレイ</a:t>
+            </a:r>
           </a:p>
         </p:txBody>
       </p:sp>
@@ -5663,98 +5661,93 @@
           <a:p>
             <a:r>
               <a:rPr lang="ja-JP" altLang="en-US" sz="2500" dirty="0"/>
-              <a:t>利用者は、新たに</a:t>
-            </a:r>
-            <a:r>
-              <a:rPr lang="ja-JP" altLang="en-US" sz="2500" dirty="0">
-                <a:solidFill>
-                  <a:srgbClr val="FF0000"/>
-                </a:solidFill>
-              </a:rPr>
-              <a:t>グループ</a:t>
-            </a:r>
-            <a:r>
-              <a:rPr lang="ja-JP" altLang="en-US" sz="2500" dirty="0"/>
-              <a:t>を作成したり、既存の</a:t>
-            </a:r>
-            <a:r>
-              <a:rPr lang="ja-JP" altLang="en-US" sz="2500" dirty="0">
-                <a:solidFill>
-                  <a:srgbClr val="FF0000"/>
-                </a:solidFill>
-              </a:rPr>
-              <a:t>グループ</a:t>
-            </a:r>
-            <a:r>
-              <a:rPr lang="ja-JP" altLang="en-US" sz="2500" dirty="0"/>
-              <a:t>に参加したりすることができる。</a:t>
+              <a:t>デモ内容</a:t>
             </a:r>
             <a:endParaRPr lang="en-US" altLang="ja-JP" sz="2500" dirty="0"/>
           </a:p>
           <a:p>
-            <a:endParaRPr kumimoji="1" lang="en-US" altLang="ja-JP" sz="2500" dirty="0"/>
-          </a:p>
-          <a:p>
-            <a:r>
-              <a:rPr kumimoji="1" lang="ja-JP" altLang="en-US" sz="2500" dirty="0">
-                <a:solidFill>
-                  <a:srgbClr val="FF0000"/>
-                </a:solidFill>
-              </a:rPr>
-              <a:t>グループ</a:t>
-            </a:r>
-            <a:r>
-              <a:rPr kumimoji="1" lang="ja-JP" altLang="en-US" sz="2500" dirty="0"/>
-              <a:t>は、</a:t>
-            </a:r>
-            <a:r>
-              <a:rPr kumimoji="1" lang="ja-JP" altLang="en-US" sz="2500" dirty="0">
-                <a:solidFill>
-                  <a:srgbClr val="FF0000"/>
-                </a:solidFill>
-              </a:rPr>
-              <a:t>専攻</a:t>
-            </a:r>
-            <a:r>
-              <a:rPr kumimoji="1" lang="ja-JP" altLang="en-US" sz="2500" dirty="0"/>
-              <a:t>、</a:t>
-            </a:r>
-            <a:r>
-              <a:rPr kumimoji="1" lang="ja-JP" altLang="en-US" sz="2500" dirty="0">
-                <a:solidFill>
-                  <a:srgbClr val="FF0000"/>
-                </a:solidFill>
-              </a:rPr>
-              <a:t>科目</a:t>
-            </a:r>
-            <a:r>
-              <a:rPr kumimoji="1" lang="ja-JP" altLang="en-US" sz="2500" dirty="0"/>
-              <a:t>、</a:t>
-            </a:r>
-            <a:r>
-              <a:rPr kumimoji="1" lang="ja-JP" altLang="en-US" sz="2500" dirty="0">
-                <a:solidFill>
-                  <a:srgbClr val="FF0000"/>
-                </a:solidFill>
-              </a:rPr>
-              <a:t>趣味</a:t>
-            </a:r>
-            <a:r>
-              <a:rPr kumimoji="1" lang="ja-JP" altLang="en-US" sz="2500" dirty="0"/>
-              <a:t>など様々なものを想定しており、</a:t>
-            </a:r>
-            <a:r>
-              <a:rPr kumimoji="1" lang="ja-JP" altLang="en-US" sz="2500" dirty="0">
-                <a:solidFill>
-                  <a:srgbClr val="FF0000"/>
-                </a:solidFill>
-              </a:rPr>
-              <a:t>グループ</a:t>
-            </a:r>
-            <a:r>
-              <a:rPr kumimoji="1" lang="ja-JP" altLang="en-US" sz="2500" dirty="0"/>
-              <a:t>内のみに向けた質問が可能。</a:t>
-            </a:r>
+            <a:pPr lvl="1"/>
+            <a:r>
+              <a:rPr lang="en-US" altLang="ja-JP" sz="2100" dirty="0"/>
+              <a:t>1)</a:t>
+            </a:r>
+            <a:r>
+              <a:rPr lang="ja-JP" altLang="en-US" sz="2100" dirty="0"/>
+              <a:t> 既に登録しておいたアカウントでログインし、グループを作成し、作成したグループに参加。</a:t>
+            </a:r>
+            <a:endParaRPr lang="en-US" altLang="ja-JP" sz="2100" dirty="0"/>
+          </a:p>
+          <a:p>
+            <a:pPr lvl="1"/>
+            <a:r>
+              <a:rPr lang="en-US" altLang="ja-JP" sz="2100" dirty="0"/>
+              <a:t>2) </a:t>
+            </a:r>
+            <a:r>
+              <a:rPr lang="ja-JP" altLang="en-US" sz="2100" dirty="0"/>
+              <a:t>質問側は、アプリ内でコインを購入。コインを消費し、質問する。</a:t>
+            </a:r>
+            <a:endParaRPr lang="en-US" altLang="ja-JP" sz="2100" dirty="0"/>
+          </a:p>
+          <a:p>
+            <a:pPr lvl="1"/>
+            <a:r>
+              <a:rPr lang="en-US" altLang="ja-JP" sz="2100" dirty="0"/>
+              <a:t>4) </a:t>
+            </a:r>
+            <a:r>
+              <a:rPr lang="ja-JP" altLang="en-US" sz="2100" dirty="0"/>
+              <a:t>解答側は、質問に解答立候補をする。</a:t>
+            </a:r>
+            <a:endParaRPr lang="en-US" altLang="ja-JP" sz="2100" dirty="0"/>
+          </a:p>
+          <a:p>
+            <a:pPr lvl="1"/>
+            <a:r>
+              <a:rPr lang="en-US" altLang="ja-JP" sz="2100" dirty="0"/>
+              <a:t>5) </a:t>
+            </a:r>
+            <a:r>
+              <a:rPr lang="ja-JP" altLang="en-US" sz="2100" dirty="0"/>
+              <a:t>質問側は立候補を確認し、オファーを送信。</a:t>
+            </a:r>
+            <a:endParaRPr lang="en-US" altLang="ja-JP" sz="2100" dirty="0"/>
+          </a:p>
+          <a:p>
+            <a:pPr lvl="1"/>
+            <a:r>
+              <a:rPr lang="en-US" altLang="ja-JP" sz="2100" dirty="0"/>
+              <a:t>6)</a:t>
+            </a:r>
+            <a:r>
+              <a:rPr lang="ja-JP" altLang="en-US" sz="2100" dirty="0"/>
+              <a:t> 解答側はオファーを受け取り、解答する。</a:t>
+            </a:r>
+            <a:endParaRPr lang="en-US" altLang="ja-JP" sz="2100" dirty="0"/>
+          </a:p>
+          <a:p>
+            <a:pPr lvl="1"/>
+            <a:r>
+              <a:rPr lang="en-US" altLang="ja-JP" sz="2100" dirty="0"/>
+              <a:t>7) </a:t>
+            </a:r>
+            <a:r>
+              <a:rPr lang="ja-JP" altLang="en-US" sz="2100" dirty="0"/>
+              <a:t>質問側は、解答を確認し、評価する。</a:t>
+            </a:r>
+            <a:endParaRPr lang="en-US" altLang="ja-JP" sz="2100" dirty="0"/>
+          </a:p>
+          <a:p>
+            <a:pPr lvl="1"/>
+            <a:r>
+              <a:rPr lang="en-US" altLang="ja-JP" sz="2100" dirty="0"/>
+              <a:t>8)</a:t>
+            </a:r>
+            <a:r>
+              <a:rPr lang="ja-JP" altLang="en-US" sz="2100" dirty="0"/>
+              <a:t> 解答側は質問リスト、評価値、コインが変化していることを確認。</a:t>
+            </a:r>
+            <a:endParaRPr lang="en-US" altLang="ja-JP" sz="2100" dirty="0"/>
           </a:p>
         </p:txBody>
       </p:sp>
@@ -5815,240 +5808,6 @@
             <a:fld id="{E457AAFA-38F4-4DED-BA16-33C71D378A14}" type="slidenum">
               <a:rPr kumimoji="1" lang="ja-JP" altLang="en-US" smtClean="0"/>
               <a:t>10</a:t>
-            </a:fld>
-            <a:endParaRPr kumimoji="1" lang="ja-JP" altLang="en-US"/>
-          </a:p>
-        </p:txBody>
-      </p:sp>
-    </p:spTree>
-    <p:extLst>
-      <p:ext uri="{BB962C8B-B14F-4D97-AF65-F5344CB8AC3E}">
-        <p14:creationId xmlns:p14="http://schemas.microsoft.com/office/powerpoint/2010/main" val="2758003830"/>
-      </p:ext>
-    </p:extLst>
-  </p:cSld>
-  <p:clrMapOvr>
-    <a:masterClrMapping/>
-  </p:clrMapOvr>
-</p:sld>
-</file>
-
-<file path=ppt/slides/slide11.xml><?xml version="1.0" encoding="utf-8"?>
-<p:sld xmlns:a="http://schemas.openxmlformats.org/drawingml/2006/main" xmlns:r="http://schemas.openxmlformats.org/officeDocument/2006/relationships" xmlns:p="http://schemas.openxmlformats.org/presentationml/2006/main">
-  <p:cSld>
-    <p:spTree>
-      <p:nvGrpSpPr>
-        <p:cNvPr id="1" name=""/>
-        <p:cNvGrpSpPr/>
-        <p:nvPr/>
-      </p:nvGrpSpPr>
-      <p:grpSpPr>
-        <a:xfrm>
-          <a:off x="0" y="0"/>
-          <a:ext cx="0" cy="0"/>
-          <a:chOff x="0" y="0"/>
-          <a:chExt cx="0" cy="0"/>
-        </a:xfrm>
-      </p:grpSpPr>
-      <p:sp>
-        <p:nvSpPr>
-          <p:cNvPr id="2" name="タイトル 1">
-            <a:extLst>
-              <a:ext uri="{FF2B5EF4-FFF2-40B4-BE49-F238E27FC236}">
-                <a16:creationId xmlns:a16="http://schemas.microsoft.com/office/drawing/2014/main" id="{D4670EB2-7F61-431A-9C41-40DBF1905E2D}"/>
-              </a:ext>
-            </a:extLst>
-          </p:cNvPr>
-          <p:cNvSpPr>
-            <a:spLocks noGrp="1"/>
-          </p:cNvSpPr>
-          <p:nvPr>
-            <p:ph type="title"/>
-          </p:nvPr>
-        </p:nvSpPr>
-        <p:spPr/>
-        <p:txBody>
-          <a:bodyPr/>
-          <a:lstStyle/>
-          <a:p>
-            <a:pPr algn="ctr"/>
-            <a:r>
-              <a:rPr kumimoji="1" lang="ja-JP" altLang="en-US" dirty="0"/>
-              <a:t>デモプレイ</a:t>
-            </a:r>
-          </a:p>
-        </p:txBody>
-      </p:sp>
-      <p:sp>
-        <p:nvSpPr>
-          <p:cNvPr id="3" name="コンテンツ プレースホルダー 2">
-            <a:extLst>
-              <a:ext uri="{FF2B5EF4-FFF2-40B4-BE49-F238E27FC236}">
-                <a16:creationId xmlns:a16="http://schemas.microsoft.com/office/drawing/2014/main" id="{BB285881-6577-4F9E-952C-0808FF9E0B36}"/>
-              </a:ext>
-            </a:extLst>
-          </p:cNvPr>
-          <p:cNvSpPr>
-            <a:spLocks noGrp="1"/>
-          </p:cNvSpPr>
-          <p:nvPr>
-            <p:ph idx="1"/>
-          </p:nvPr>
-        </p:nvSpPr>
-        <p:spPr/>
-        <p:txBody>
-          <a:bodyPr/>
-          <a:lstStyle/>
-          <a:p>
-            <a:r>
-              <a:rPr lang="ja-JP" altLang="en-US" sz="2500" dirty="0"/>
-              <a:t>デモ内容</a:t>
-            </a:r>
-            <a:endParaRPr lang="en-US" altLang="ja-JP" sz="2500" dirty="0"/>
-          </a:p>
-          <a:p>
-            <a:pPr lvl="1"/>
-            <a:r>
-              <a:rPr lang="en-US" altLang="ja-JP" sz="2100" dirty="0"/>
-              <a:t>1)</a:t>
-            </a:r>
-            <a:r>
-              <a:rPr lang="ja-JP" altLang="en-US" sz="2100" dirty="0"/>
-              <a:t> 既に登録しておいたアカウントでログインし、グループを作成し、作成したグループに参加。</a:t>
-            </a:r>
-            <a:endParaRPr lang="en-US" altLang="ja-JP" sz="2100" dirty="0"/>
-          </a:p>
-          <a:p>
-            <a:pPr lvl="1"/>
-            <a:r>
-              <a:rPr lang="en-US" altLang="ja-JP" sz="2100" dirty="0"/>
-              <a:t>2) </a:t>
-            </a:r>
-            <a:r>
-              <a:rPr lang="ja-JP" altLang="en-US" sz="2100" dirty="0"/>
-              <a:t>質問側は、アプリ内でコインを購入。コインを消費し、質問する。</a:t>
-            </a:r>
-            <a:endParaRPr lang="en-US" altLang="ja-JP" sz="2100" dirty="0"/>
-          </a:p>
-          <a:p>
-            <a:pPr lvl="1"/>
-            <a:r>
-              <a:rPr lang="en-US" altLang="ja-JP" sz="2100" dirty="0"/>
-              <a:t>4) </a:t>
-            </a:r>
-            <a:r>
-              <a:rPr lang="ja-JP" altLang="en-US" sz="2100" dirty="0"/>
-              <a:t>解答側は、質問に解答立候補をする。</a:t>
-            </a:r>
-            <a:endParaRPr lang="en-US" altLang="ja-JP" sz="2100" dirty="0"/>
-          </a:p>
-          <a:p>
-            <a:pPr lvl="1"/>
-            <a:r>
-              <a:rPr lang="en-US" altLang="ja-JP" sz="2100" dirty="0"/>
-              <a:t>5) </a:t>
-            </a:r>
-            <a:r>
-              <a:rPr lang="ja-JP" altLang="en-US" sz="2100" dirty="0"/>
-              <a:t>質問側は立候補を確認し、オファーを送信。</a:t>
-            </a:r>
-            <a:endParaRPr lang="en-US" altLang="ja-JP" sz="2100" dirty="0"/>
-          </a:p>
-          <a:p>
-            <a:pPr lvl="1"/>
-            <a:r>
-              <a:rPr lang="en-US" altLang="ja-JP" sz="2100" dirty="0"/>
-              <a:t>6)</a:t>
-            </a:r>
-            <a:r>
-              <a:rPr lang="ja-JP" altLang="en-US" sz="2100" dirty="0"/>
-              <a:t> 解答側はオファーを受け取り、解答する。</a:t>
-            </a:r>
-            <a:endParaRPr lang="en-US" altLang="ja-JP" sz="2100" dirty="0"/>
-          </a:p>
-          <a:p>
-            <a:pPr lvl="1"/>
-            <a:r>
-              <a:rPr lang="en-US" altLang="ja-JP" sz="2100" dirty="0"/>
-              <a:t>7) </a:t>
-            </a:r>
-            <a:r>
-              <a:rPr lang="ja-JP" altLang="en-US" sz="2100" dirty="0"/>
-              <a:t>質問側は、解答を確認し、評価する。</a:t>
-            </a:r>
-            <a:endParaRPr lang="en-US" altLang="ja-JP" sz="2100" dirty="0"/>
-          </a:p>
-          <a:p>
-            <a:pPr lvl="1"/>
-            <a:r>
-              <a:rPr lang="en-US" altLang="ja-JP" sz="2100" dirty="0"/>
-              <a:t>8)</a:t>
-            </a:r>
-            <a:r>
-              <a:rPr lang="ja-JP" altLang="en-US" sz="2100" dirty="0"/>
-              <a:t> 解答側は質問リスト、評価値、コインが変化していることを確認。</a:t>
-            </a:r>
-            <a:endParaRPr lang="en-US" altLang="ja-JP" sz="2100" dirty="0"/>
-          </a:p>
-        </p:txBody>
-      </p:sp>
-      <p:sp>
-        <p:nvSpPr>
-          <p:cNvPr id="4" name="フッター プレースホルダー 3">
-            <a:extLst>
-              <a:ext uri="{FF2B5EF4-FFF2-40B4-BE49-F238E27FC236}">
-                <a16:creationId xmlns:a16="http://schemas.microsoft.com/office/drawing/2014/main" id="{9342A4D2-EE37-4B25-92A2-CC92EAB934B9}"/>
-              </a:ext>
-            </a:extLst>
-          </p:cNvPr>
-          <p:cNvSpPr>
-            <a:spLocks noGrp="1"/>
-          </p:cNvSpPr>
-          <p:nvPr>
-            <p:ph type="ftr" sz="quarter" idx="11"/>
-          </p:nvPr>
-        </p:nvSpPr>
-        <p:spPr/>
-        <p:txBody>
-          <a:bodyPr/>
-          <a:lstStyle/>
-          <a:p>
-            <a:r>
-              <a:rPr kumimoji="1" lang="ja-JP" altLang="en-US"/>
-              <a:t>プロジェクトラーニング成果報告会 </a:t>
-            </a:r>
-            <a:r>
-              <a:rPr kumimoji="1" lang="en-US" altLang="ja-JP"/>
-              <a:t>2018/07/24(Tue)</a:t>
-            </a:r>
-            <a:endParaRPr kumimoji="1" lang="ja-JP" altLang="en-US"/>
-          </a:p>
-        </p:txBody>
-      </p:sp>
-      <p:sp>
-        <p:nvSpPr>
-          <p:cNvPr id="5" name="スライド番号プレースホルダー 4">
-            <a:extLst>
-              <a:ext uri="{FF2B5EF4-FFF2-40B4-BE49-F238E27FC236}">
-                <a16:creationId xmlns:a16="http://schemas.microsoft.com/office/drawing/2014/main" id="{DD581BCC-0C45-44B8-8BD9-6788A5DE17D6}"/>
-              </a:ext>
-            </a:extLst>
-          </p:cNvPr>
-          <p:cNvSpPr>
-            <a:spLocks noGrp="1"/>
-          </p:cNvSpPr>
-          <p:nvPr>
-            <p:ph type="sldNum" sz="quarter" idx="12"/>
-          </p:nvPr>
-        </p:nvSpPr>
-        <p:spPr/>
-        <p:txBody>
-          <a:bodyPr/>
-          <a:lstStyle/>
-          <a:p>
-            <a:fld id="{E457AAFA-38F4-4DED-BA16-33C71D378A14}" type="slidenum">
-              <a:rPr kumimoji="1" lang="ja-JP" altLang="en-US" smtClean="0"/>
-              <a:t>11</a:t>
             </a:fld>
             <a:endParaRPr kumimoji="1" lang="ja-JP" altLang="en-US"/>
           </a:p>
@@ -7425,7 +7184,7 @@
 </file>
 
 <file path=ppt/slides/slide8.xml><?xml version="1.0" encoding="utf-8"?>
-<p:sld xmlns:a="http://schemas.openxmlformats.org/drawingml/2006/main" xmlns:r="http://schemas.openxmlformats.org/officeDocument/2006/relationships" xmlns:p="http://schemas.openxmlformats.org/presentationml/2006/main" show="0">
+<p:sld xmlns:a="http://schemas.openxmlformats.org/drawingml/2006/main" xmlns:r="http://schemas.openxmlformats.org/officeDocument/2006/relationships" xmlns:p="http://schemas.openxmlformats.org/presentationml/2006/main">
   <p:cSld>
     <p:spTree>
       <p:nvGrpSpPr>
@@ -7465,7 +7224,7 @@
             <a:pPr algn="ctr"/>
             <a:r>
               <a:rPr lang="ja-JP" altLang="en-US" dirty="0"/>
-              <a:t>評価機能</a:t>
+              <a:t>マッチング機能</a:t>
             </a:r>
             <a:endParaRPr kumimoji="1" lang="ja-JP" altLang="en-US" dirty="0"/>
           </a:p>
@@ -7494,7 +7253,7 @@
           <a:p>
             <a:r>
               <a:rPr kumimoji="1" lang="ja-JP" altLang="en-US" sz="2500" dirty="0"/>
-              <a:t>質問者は、解答者からの解答を</a:t>
+              <a:t>質問者は、複数の解答者からの</a:t>
             </a:r>
             <a:r>
               <a:rPr kumimoji="1" lang="ja-JP" altLang="en-US" sz="2500" dirty="0">
@@ -7502,11 +7261,11 @@
                   <a:srgbClr val="FF0000"/>
                 </a:solidFill>
               </a:rPr>
-              <a:t>評価</a:t>
+              <a:t>立候補</a:t>
             </a:r>
             <a:r>
               <a:rPr kumimoji="1" lang="ja-JP" altLang="en-US" sz="2500" dirty="0"/>
-              <a:t>することができる。回答が満足いくものであった場合は、</a:t>
+              <a:t>を受け取り、その中から解答してほしい者に</a:t>
             </a:r>
             <a:r>
               <a:rPr kumimoji="1" lang="ja-JP" altLang="en-US" sz="2500" dirty="0">
@@ -7514,24 +7273,35 @@
                   <a:srgbClr val="FF0000"/>
                 </a:solidFill>
               </a:rPr>
-              <a:t>高い</a:t>
+              <a:t>オファー</a:t>
             </a:r>
             <a:r>
               <a:rPr kumimoji="1" lang="ja-JP" altLang="en-US" sz="2500" dirty="0"/>
-              <a:t>数値を、そうでなかった場合は</a:t>
-            </a:r>
-            <a:r>
-              <a:rPr kumimoji="1" lang="ja-JP" altLang="en-US" sz="2500" dirty="0">
+              <a:t>を送ることができるようにする。</a:t>
+            </a:r>
+            <a:endParaRPr lang="en-US" altLang="ja-JP" sz="2500" dirty="0"/>
+          </a:p>
+          <a:p>
+            <a:endParaRPr kumimoji="1" lang="en-US" altLang="ja-JP" sz="2500" dirty="0"/>
+          </a:p>
+          <a:p>
+            <a:r>
+              <a:rPr lang="ja-JP" altLang="en-US" sz="2500" dirty="0"/>
+              <a:t>この際、質問者は、解答者の</a:t>
+            </a:r>
+            <a:r>
+              <a:rPr lang="ja-JP" altLang="en-US" sz="2500" dirty="0">
                 <a:solidFill>
-                  <a:srgbClr val="00B0F0"/>
+                  <a:srgbClr val="FF0000"/>
                 </a:solidFill>
               </a:rPr>
-              <a:t>低い</a:t>
-            </a:r>
-            <a:r>
-              <a:rPr kumimoji="1" lang="ja-JP" altLang="en-US" sz="2500" dirty="0"/>
-              <a:t>数値を選択する。</a:t>
-            </a:r>
+              <a:t>情報</a:t>
+            </a:r>
+            <a:r>
+              <a:rPr lang="ja-JP" altLang="en-US" sz="2500" dirty="0"/>
+              <a:t>（解答数、評価値など）を見ることができる。</a:t>
+            </a:r>
+            <a:endParaRPr kumimoji="1" lang="en-US" altLang="ja-JP" sz="2500" dirty="0"/>
           </a:p>
         </p:txBody>
       </p:sp>
@@ -7600,7 +7370,7 @@
     </p:spTree>
     <p:extLst>
       <p:ext uri="{BB962C8B-B14F-4D97-AF65-F5344CB8AC3E}">
-        <p14:creationId xmlns:p14="http://schemas.microsoft.com/office/powerpoint/2010/main" val="1031359815"/>
+        <p14:creationId xmlns:p14="http://schemas.microsoft.com/office/powerpoint/2010/main" val="1965178502"/>
       </p:ext>
     </p:extLst>
   </p:cSld>
@@ -7651,7 +7421,7 @@
             <a:pPr algn="ctr"/>
             <a:r>
               <a:rPr lang="ja-JP" altLang="en-US" dirty="0"/>
-              <a:t>マッチング機能</a:t>
+              <a:t>グループ機能</a:t>
             </a:r>
             <a:endParaRPr kumimoji="1" lang="ja-JP" altLang="en-US" dirty="0"/>
           </a:p>
@@ -7679,20 +7449,50 @@
           <a:lstStyle/>
           <a:p>
             <a:r>
-              <a:rPr kumimoji="1" lang="ja-JP" altLang="en-US" sz="2500" dirty="0"/>
-              <a:t>質問者は、複数の解答者からの</a:t>
-            </a:r>
+              <a:rPr lang="ja-JP" altLang="en-US" sz="2500" dirty="0"/>
+              <a:t>利用者は、新たに</a:t>
+            </a:r>
+            <a:r>
+              <a:rPr lang="ja-JP" altLang="en-US" sz="2500" dirty="0">
+                <a:solidFill>
+                  <a:srgbClr val="FF0000"/>
+                </a:solidFill>
+              </a:rPr>
+              <a:t>グループ</a:t>
+            </a:r>
+            <a:r>
+              <a:rPr lang="ja-JP" altLang="en-US" sz="2500" dirty="0"/>
+              <a:t>を作成したり、既存の</a:t>
+            </a:r>
+            <a:r>
+              <a:rPr lang="ja-JP" altLang="en-US" sz="2500" dirty="0">
+                <a:solidFill>
+                  <a:srgbClr val="FF0000"/>
+                </a:solidFill>
+              </a:rPr>
+              <a:t>グループ</a:t>
+            </a:r>
+            <a:r>
+              <a:rPr lang="ja-JP" altLang="en-US" sz="2500" dirty="0"/>
+              <a:t>に参加したりすることができる。</a:t>
+            </a:r>
+            <a:endParaRPr lang="en-US" altLang="ja-JP" sz="2500" dirty="0"/>
+          </a:p>
+          <a:p>
+            <a:endParaRPr kumimoji="1" lang="en-US" altLang="ja-JP" sz="2500" dirty="0"/>
+          </a:p>
+          <a:p>
             <a:r>
               <a:rPr kumimoji="1" lang="ja-JP" altLang="en-US" sz="2500" dirty="0">
                 <a:solidFill>
                   <a:srgbClr val="FF0000"/>
                 </a:solidFill>
               </a:rPr>
-              <a:t>立候補</a:t>
+              <a:t>グループ</a:t>
             </a:r>
             <a:r>
               <a:rPr kumimoji="1" lang="ja-JP" altLang="en-US" sz="2500" dirty="0"/>
-              <a:t>を受け取り、その中から解答してほしい者に</a:t>
+              <a:t>は、</a:t>
             </a:r>
             <a:r>
               <a:rPr kumimoji="1" lang="ja-JP" altLang="en-US" sz="2500" dirty="0">
@@ -7700,35 +7500,48 @@
                   <a:srgbClr val="FF0000"/>
                 </a:solidFill>
               </a:rPr>
-              <a:t>オファー</a:t>
+              <a:t>専攻</a:t>
             </a:r>
             <a:r>
               <a:rPr kumimoji="1" lang="ja-JP" altLang="en-US" sz="2500" dirty="0"/>
-              <a:t>を送ることができるようにする。</a:t>
-            </a:r>
-            <a:endParaRPr lang="en-US" altLang="ja-JP" sz="2500" dirty="0"/>
-          </a:p>
-          <a:p>
-            <a:endParaRPr kumimoji="1" lang="en-US" altLang="ja-JP" sz="2500" dirty="0"/>
-          </a:p>
-          <a:p>
-            <a:r>
-              <a:rPr lang="ja-JP" altLang="en-US" sz="2500" dirty="0"/>
-              <a:t>この際、質問者は、解答者の</a:t>
-            </a:r>
-            <a:r>
-              <a:rPr lang="ja-JP" altLang="en-US" sz="2500" dirty="0">
+              <a:t>、</a:t>
+            </a:r>
+            <a:r>
+              <a:rPr kumimoji="1" lang="ja-JP" altLang="en-US" sz="2500" dirty="0">
                 <a:solidFill>
                   <a:srgbClr val="FF0000"/>
                 </a:solidFill>
               </a:rPr>
-              <a:t>情報</a:t>
-            </a:r>
-            <a:r>
-              <a:rPr lang="ja-JP" altLang="en-US" sz="2500" dirty="0"/>
-              <a:t>（解答数、評価値など）を見ることができる。</a:t>
-            </a:r>
-            <a:endParaRPr kumimoji="1" lang="en-US" altLang="ja-JP" sz="2500" dirty="0"/>
+              <a:t>科目</a:t>
+            </a:r>
+            <a:r>
+              <a:rPr kumimoji="1" lang="ja-JP" altLang="en-US" sz="2500" dirty="0"/>
+              <a:t>、</a:t>
+            </a:r>
+            <a:r>
+              <a:rPr kumimoji="1" lang="ja-JP" altLang="en-US" sz="2500" dirty="0">
+                <a:solidFill>
+                  <a:srgbClr val="FF0000"/>
+                </a:solidFill>
+              </a:rPr>
+              <a:t>趣味</a:t>
+            </a:r>
+            <a:r>
+              <a:rPr kumimoji="1" lang="ja-JP" altLang="en-US" sz="2500" dirty="0"/>
+              <a:t>など様々なものを想定しており、</a:t>
+            </a:r>
+            <a:r>
+              <a:rPr kumimoji="1" lang="ja-JP" altLang="en-US" sz="2500" dirty="0">
+                <a:solidFill>
+                  <a:srgbClr val="FF0000"/>
+                </a:solidFill>
+              </a:rPr>
+              <a:t>グループ</a:t>
+            </a:r>
+            <a:r>
+              <a:rPr kumimoji="1" lang="ja-JP" altLang="en-US" sz="2500" dirty="0"/>
+              <a:t>内のみに向けた質問が可能。</a:t>
+            </a:r>
           </a:p>
         </p:txBody>
       </p:sp>
@@ -7797,7 +7610,7 @@
     </p:spTree>
     <p:extLst>
       <p:ext uri="{BB962C8B-B14F-4D97-AF65-F5344CB8AC3E}">
-        <p14:creationId xmlns:p14="http://schemas.microsoft.com/office/powerpoint/2010/main" val="1965178502"/>
+        <p14:creationId xmlns:p14="http://schemas.microsoft.com/office/powerpoint/2010/main" val="2758003830"/>
       </p:ext>
     </p:extLst>
   </p:cSld>

--- a/pl-2(完成版).pptx
+++ b/pl-2(完成版).pptx
@@ -6641,21 +6641,6 @@
               <a:rPr lang="ja-JP" altLang="en-US" dirty="0"/>
               <a:t>機能</a:t>
             </a:r>
-            <a:endParaRPr lang="en-US" altLang="ja-JP" dirty="0"/>
-          </a:p>
-          <a:p>
-            <a:r>
-              <a:rPr kumimoji="1" lang="ja-JP" altLang="en-US" dirty="0">
-                <a:solidFill>
-                  <a:srgbClr val="FF0000"/>
-                </a:solidFill>
-              </a:rPr>
-              <a:t>評価</a:t>
-            </a:r>
-            <a:r>
-              <a:rPr kumimoji="1" lang="ja-JP" altLang="en-US" dirty="0"/>
-              <a:t>機能</a:t>
-            </a:r>
             <a:endParaRPr kumimoji="1" lang="en-US" altLang="ja-JP" dirty="0"/>
           </a:p>
           <a:p>
@@ -6675,7 +6660,7 @@
           </a:p>
           <a:p>
             <a:r>
-              <a:rPr lang="ja-JP" altLang="en-US">
+              <a:rPr lang="ja-JP" altLang="en-US" dirty="0">
                 <a:solidFill>
                   <a:srgbClr val="FF0000"/>
                 </a:solidFill>
@@ -6683,7 +6668,7 @@
               <a:t>グループ</a:t>
             </a:r>
             <a:r>
-              <a:rPr lang="ja-JP" altLang="en-US"/>
+              <a:rPr lang="ja-JP" altLang="en-US" dirty="0"/>
               <a:t>機能</a:t>
             </a:r>
             <a:endParaRPr kumimoji="1" lang="en-US" altLang="ja-JP" dirty="0"/>
@@ -7080,10 +7065,14 @@
             </a:r>
             <a:r>
               <a:rPr lang="ja-JP" altLang="en-US" sz="2500" dirty="0"/>
-              <a:t>（質問者は、解答者からの解答を</a:t>
-            </a:r>
-            <a:r>
-              <a:rPr lang="ja-JP" altLang="en-US" sz="2500" dirty="0">
+              <a:t>（質問者は、解答者からの</a:t>
+            </a:r>
+            <a:r>
+              <a:rPr lang="ja-JP" altLang="en-US" sz="2500"/>
+              <a:t>解答を</a:t>
+            </a:r>
+            <a:r>
+              <a:rPr lang="ja-JP" altLang="en-US" sz="2500">
                 <a:solidFill>
                   <a:srgbClr val="FF0000"/>
                 </a:solidFill>

--- a/pl-2(完成版).pptx
+++ b/pl-2(完成版).pptx
@@ -5,19 +5,21 @@
     <p:sldMasterId id="2147483686" r:id="rId1"/>
   </p:sldMasterIdLst>
   <p:notesMasterIdLst>
-    <p:notesMasterId r:id="rId12"/>
+    <p:notesMasterId r:id="rId14"/>
   </p:notesMasterIdLst>
   <p:sldIdLst>
     <p:sldId id="256" r:id="rId2"/>
     <p:sldId id="261" r:id="rId3"/>
-    <p:sldId id="260" r:id="rId4"/>
-    <p:sldId id="268" r:id="rId5"/>
-    <p:sldId id="262" r:id="rId6"/>
-    <p:sldId id="265" r:id="rId7"/>
-    <p:sldId id="263" r:id="rId8"/>
-    <p:sldId id="266" r:id="rId9"/>
-    <p:sldId id="267" r:id="rId10"/>
-    <p:sldId id="270" r:id="rId11"/>
+    <p:sldId id="271" r:id="rId4"/>
+    <p:sldId id="260" r:id="rId5"/>
+    <p:sldId id="268" r:id="rId6"/>
+    <p:sldId id="272" r:id="rId7"/>
+    <p:sldId id="262" r:id="rId8"/>
+    <p:sldId id="265" r:id="rId9"/>
+    <p:sldId id="263" r:id="rId10"/>
+    <p:sldId id="266" r:id="rId11"/>
+    <p:sldId id="267" r:id="rId12"/>
+    <p:sldId id="270" r:id="rId13"/>
   </p:sldIdLst>
   <p:sldSz cx="9144000" cy="6858000" type="screen4x3"/>
   <p:notesSz cx="6858000" cy="9144000"/>
@@ -619,6 +621,258 @@
 </p:notes>
 </file>
 
+<file path=ppt/notesSlides/notesSlide10.xml><?xml version="1.0" encoding="utf-8"?>
+<p:notes xmlns:a="http://schemas.openxmlformats.org/drawingml/2006/main" xmlns:r="http://schemas.openxmlformats.org/officeDocument/2006/relationships" xmlns:p="http://schemas.openxmlformats.org/presentationml/2006/main">
+  <p:cSld>
+    <p:spTree>
+      <p:nvGrpSpPr>
+        <p:cNvPr id="1" name=""/>
+        <p:cNvGrpSpPr/>
+        <p:nvPr/>
+      </p:nvGrpSpPr>
+      <p:grpSpPr>
+        <a:xfrm>
+          <a:off x="0" y="0"/>
+          <a:ext cx="0" cy="0"/>
+          <a:chOff x="0" y="0"/>
+          <a:chExt cx="0" cy="0"/>
+        </a:xfrm>
+      </p:grpSpPr>
+      <p:sp>
+        <p:nvSpPr>
+          <p:cNvPr id="2" name="スライド イメージ プレースホルダー 1"/>
+          <p:cNvSpPr>
+            <a:spLocks noGrp="1" noRot="1" noChangeAspect="1"/>
+          </p:cNvSpPr>
+          <p:nvPr>
+            <p:ph type="sldImg"/>
+          </p:nvPr>
+        </p:nvSpPr>
+        <p:spPr/>
+      </p:sp>
+      <p:sp>
+        <p:nvSpPr>
+          <p:cNvPr id="3" name="ノート プレースホルダー 2"/>
+          <p:cNvSpPr>
+            <a:spLocks noGrp="1"/>
+          </p:cNvSpPr>
+          <p:nvPr>
+            <p:ph type="body" idx="1"/>
+          </p:nvPr>
+        </p:nvSpPr>
+        <p:spPr/>
+        <p:txBody>
+          <a:bodyPr/>
+          <a:lstStyle/>
+          <a:p>
+            <a:endParaRPr kumimoji="1" lang="ja-JP" altLang="en-US"/>
+          </a:p>
+        </p:txBody>
+      </p:sp>
+      <p:sp>
+        <p:nvSpPr>
+          <p:cNvPr id="4" name="スライド番号プレースホルダー 3"/>
+          <p:cNvSpPr>
+            <a:spLocks noGrp="1"/>
+          </p:cNvSpPr>
+          <p:nvPr>
+            <p:ph type="sldNum" sz="quarter" idx="10"/>
+          </p:nvPr>
+        </p:nvSpPr>
+        <p:spPr/>
+        <p:txBody>
+          <a:bodyPr/>
+          <a:lstStyle/>
+          <a:p>
+            <a:fld id="{F4037843-3F10-468A-BCF2-09E8B7D01C0C}" type="slidenum">
+              <a:rPr kumimoji="1" lang="ja-JP" altLang="en-US" smtClean="0"/>
+              <a:t>10</a:t>
+            </a:fld>
+            <a:endParaRPr kumimoji="1" lang="ja-JP" altLang="en-US"/>
+          </a:p>
+        </p:txBody>
+      </p:sp>
+    </p:spTree>
+    <p:extLst>
+      <p:ext uri="{BB962C8B-B14F-4D97-AF65-F5344CB8AC3E}">
+        <p14:creationId xmlns:p14="http://schemas.microsoft.com/office/powerpoint/2010/main" val="337479022"/>
+      </p:ext>
+    </p:extLst>
+  </p:cSld>
+  <p:clrMapOvr>
+    <a:masterClrMapping/>
+  </p:clrMapOvr>
+</p:notes>
+</file>
+
+<file path=ppt/notesSlides/notesSlide11.xml><?xml version="1.0" encoding="utf-8"?>
+<p:notes xmlns:a="http://schemas.openxmlformats.org/drawingml/2006/main" xmlns:r="http://schemas.openxmlformats.org/officeDocument/2006/relationships" xmlns:p="http://schemas.openxmlformats.org/presentationml/2006/main">
+  <p:cSld>
+    <p:spTree>
+      <p:nvGrpSpPr>
+        <p:cNvPr id="1" name=""/>
+        <p:cNvGrpSpPr/>
+        <p:nvPr/>
+      </p:nvGrpSpPr>
+      <p:grpSpPr>
+        <a:xfrm>
+          <a:off x="0" y="0"/>
+          <a:ext cx="0" cy="0"/>
+          <a:chOff x="0" y="0"/>
+          <a:chExt cx="0" cy="0"/>
+        </a:xfrm>
+      </p:grpSpPr>
+      <p:sp>
+        <p:nvSpPr>
+          <p:cNvPr id="2" name="スライド イメージ プレースホルダー 1"/>
+          <p:cNvSpPr>
+            <a:spLocks noGrp="1" noRot="1" noChangeAspect="1"/>
+          </p:cNvSpPr>
+          <p:nvPr>
+            <p:ph type="sldImg"/>
+          </p:nvPr>
+        </p:nvSpPr>
+        <p:spPr/>
+      </p:sp>
+      <p:sp>
+        <p:nvSpPr>
+          <p:cNvPr id="3" name="ノート プレースホルダー 2"/>
+          <p:cNvSpPr>
+            <a:spLocks noGrp="1"/>
+          </p:cNvSpPr>
+          <p:nvPr>
+            <p:ph type="body" idx="1"/>
+          </p:nvPr>
+        </p:nvSpPr>
+        <p:spPr/>
+        <p:txBody>
+          <a:bodyPr/>
+          <a:lstStyle/>
+          <a:p>
+            <a:endParaRPr kumimoji="1" lang="ja-JP" altLang="en-US"/>
+          </a:p>
+        </p:txBody>
+      </p:sp>
+      <p:sp>
+        <p:nvSpPr>
+          <p:cNvPr id="4" name="スライド番号プレースホルダー 3"/>
+          <p:cNvSpPr>
+            <a:spLocks noGrp="1"/>
+          </p:cNvSpPr>
+          <p:nvPr>
+            <p:ph type="sldNum" sz="quarter" idx="10"/>
+          </p:nvPr>
+        </p:nvSpPr>
+        <p:spPr/>
+        <p:txBody>
+          <a:bodyPr/>
+          <a:lstStyle/>
+          <a:p>
+            <a:fld id="{F4037843-3F10-468A-BCF2-09E8B7D01C0C}" type="slidenum">
+              <a:rPr kumimoji="1" lang="ja-JP" altLang="en-US" smtClean="0"/>
+              <a:t>11</a:t>
+            </a:fld>
+            <a:endParaRPr kumimoji="1" lang="ja-JP" altLang="en-US"/>
+          </a:p>
+        </p:txBody>
+      </p:sp>
+    </p:spTree>
+    <p:extLst>
+      <p:ext uri="{BB962C8B-B14F-4D97-AF65-F5344CB8AC3E}">
+        <p14:creationId xmlns:p14="http://schemas.microsoft.com/office/powerpoint/2010/main" val="2610265261"/>
+      </p:ext>
+    </p:extLst>
+  </p:cSld>
+  <p:clrMapOvr>
+    <a:masterClrMapping/>
+  </p:clrMapOvr>
+</p:notes>
+</file>
+
+<file path=ppt/notesSlides/notesSlide12.xml><?xml version="1.0" encoding="utf-8"?>
+<p:notes xmlns:a="http://schemas.openxmlformats.org/drawingml/2006/main" xmlns:r="http://schemas.openxmlformats.org/officeDocument/2006/relationships" xmlns:p="http://schemas.openxmlformats.org/presentationml/2006/main">
+  <p:cSld>
+    <p:spTree>
+      <p:nvGrpSpPr>
+        <p:cNvPr id="1" name=""/>
+        <p:cNvGrpSpPr/>
+        <p:nvPr/>
+      </p:nvGrpSpPr>
+      <p:grpSpPr>
+        <a:xfrm>
+          <a:off x="0" y="0"/>
+          <a:ext cx="0" cy="0"/>
+          <a:chOff x="0" y="0"/>
+          <a:chExt cx="0" cy="0"/>
+        </a:xfrm>
+      </p:grpSpPr>
+      <p:sp>
+        <p:nvSpPr>
+          <p:cNvPr id="2" name="スライド イメージ プレースホルダー 1"/>
+          <p:cNvSpPr>
+            <a:spLocks noGrp="1" noRot="1" noChangeAspect="1"/>
+          </p:cNvSpPr>
+          <p:nvPr>
+            <p:ph type="sldImg"/>
+          </p:nvPr>
+        </p:nvSpPr>
+        <p:spPr/>
+      </p:sp>
+      <p:sp>
+        <p:nvSpPr>
+          <p:cNvPr id="3" name="ノート プレースホルダー 2"/>
+          <p:cNvSpPr>
+            <a:spLocks noGrp="1"/>
+          </p:cNvSpPr>
+          <p:nvPr>
+            <p:ph type="body" idx="1"/>
+          </p:nvPr>
+        </p:nvSpPr>
+        <p:spPr/>
+        <p:txBody>
+          <a:bodyPr/>
+          <a:lstStyle/>
+          <a:p>
+            <a:endParaRPr kumimoji="1" lang="ja-JP" altLang="en-US"/>
+          </a:p>
+        </p:txBody>
+      </p:sp>
+      <p:sp>
+        <p:nvSpPr>
+          <p:cNvPr id="4" name="スライド番号プレースホルダー 3"/>
+          <p:cNvSpPr>
+            <a:spLocks noGrp="1"/>
+          </p:cNvSpPr>
+          <p:nvPr>
+            <p:ph type="sldNum" sz="quarter" idx="10"/>
+          </p:nvPr>
+        </p:nvSpPr>
+        <p:spPr/>
+        <p:txBody>
+          <a:bodyPr/>
+          <a:lstStyle/>
+          <a:p>
+            <a:fld id="{F4037843-3F10-468A-BCF2-09E8B7D01C0C}" type="slidenum">
+              <a:rPr kumimoji="1" lang="ja-JP" altLang="en-US" smtClean="0"/>
+              <a:t>12</a:t>
+            </a:fld>
+            <a:endParaRPr kumimoji="1" lang="ja-JP" altLang="en-US"/>
+          </a:p>
+        </p:txBody>
+      </p:sp>
+    </p:spTree>
+    <p:extLst>
+      <p:ext uri="{BB962C8B-B14F-4D97-AF65-F5344CB8AC3E}">
+        <p14:creationId xmlns:p14="http://schemas.microsoft.com/office/powerpoint/2010/main" val="1934550762"/>
+      </p:ext>
+    </p:extLst>
+  </p:cSld>
+  <p:clrMapOvr>
+    <a:masterClrMapping/>
+  </p:clrMapOvr>
+</p:notes>
+</file>
+
 <file path=ppt/notesSlides/notesSlide2.xml><?xml version="1.0" encoding="utf-8"?>
 <p:notes xmlns:a="http://schemas.openxmlformats.org/drawingml/2006/main" xmlns:r="http://schemas.openxmlformats.org/officeDocument/2006/relationships" xmlns:p="http://schemas.openxmlformats.org/presentationml/2006/main">
   <p:cSld>
@@ -663,6 +917,90 @@
           <a:bodyPr/>
           <a:lstStyle/>
           <a:p>
+            <a:endParaRPr kumimoji="1" lang="ja-JP" altLang="en-US"/>
+          </a:p>
+        </p:txBody>
+      </p:sp>
+      <p:sp>
+        <p:nvSpPr>
+          <p:cNvPr id="4" name="スライド番号プレースホルダー 3"/>
+          <p:cNvSpPr>
+            <a:spLocks noGrp="1"/>
+          </p:cNvSpPr>
+          <p:nvPr>
+            <p:ph type="sldNum" sz="quarter" idx="10"/>
+          </p:nvPr>
+        </p:nvSpPr>
+        <p:spPr/>
+        <p:txBody>
+          <a:bodyPr/>
+          <a:lstStyle/>
+          <a:p>
+            <a:fld id="{F4037843-3F10-468A-BCF2-09E8B7D01C0C}" type="slidenum">
+              <a:rPr kumimoji="1" lang="ja-JP" altLang="en-US" smtClean="0"/>
+              <a:t>2</a:t>
+            </a:fld>
+            <a:endParaRPr kumimoji="1" lang="ja-JP" altLang="en-US"/>
+          </a:p>
+        </p:txBody>
+      </p:sp>
+    </p:spTree>
+    <p:extLst>
+      <p:ext uri="{BB962C8B-B14F-4D97-AF65-F5344CB8AC3E}">
+        <p14:creationId xmlns:p14="http://schemas.microsoft.com/office/powerpoint/2010/main" val="2751242458"/>
+      </p:ext>
+    </p:extLst>
+  </p:cSld>
+  <p:clrMapOvr>
+    <a:masterClrMapping/>
+  </p:clrMapOvr>
+</p:notes>
+</file>
+
+<file path=ppt/notesSlides/notesSlide3.xml><?xml version="1.0" encoding="utf-8"?>
+<p:notes xmlns:a="http://schemas.openxmlformats.org/drawingml/2006/main" xmlns:r="http://schemas.openxmlformats.org/officeDocument/2006/relationships" xmlns:p="http://schemas.openxmlformats.org/presentationml/2006/main">
+  <p:cSld>
+    <p:spTree>
+      <p:nvGrpSpPr>
+        <p:cNvPr id="1" name=""/>
+        <p:cNvGrpSpPr/>
+        <p:nvPr/>
+      </p:nvGrpSpPr>
+      <p:grpSpPr>
+        <a:xfrm>
+          <a:off x="0" y="0"/>
+          <a:ext cx="0" cy="0"/>
+          <a:chOff x="0" y="0"/>
+          <a:chExt cx="0" cy="0"/>
+        </a:xfrm>
+      </p:grpSpPr>
+      <p:sp>
+        <p:nvSpPr>
+          <p:cNvPr id="2" name="スライド イメージ プレースホルダー 1"/>
+          <p:cNvSpPr>
+            <a:spLocks noGrp="1" noRot="1" noChangeAspect="1"/>
+          </p:cNvSpPr>
+          <p:nvPr>
+            <p:ph type="sldImg"/>
+          </p:nvPr>
+        </p:nvSpPr>
+        <p:spPr/>
+      </p:sp>
+      <p:sp>
+        <p:nvSpPr>
+          <p:cNvPr id="3" name="ノート プレースホルダー 2"/>
+          <p:cNvSpPr>
+            <a:spLocks noGrp="1"/>
+          </p:cNvSpPr>
+          <p:nvPr>
+            <p:ph type="body" idx="1"/>
+          </p:nvPr>
+        </p:nvSpPr>
+        <p:spPr/>
+        <p:txBody>
+          <a:bodyPr/>
+          <a:lstStyle/>
+          <a:p>
             <a:r>
               <a:rPr kumimoji="1" lang="en-US" altLang="ja-JP" dirty="0"/>
               <a:t>Evaluate</a:t>
@@ -700,7 +1038,518 @@
     </p:spTree>
     <p:extLst>
       <p:ext uri="{BB962C8B-B14F-4D97-AF65-F5344CB8AC3E}">
+        <p14:creationId xmlns:p14="http://schemas.microsoft.com/office/powerpoint/2010/main" val="656084726"/>
+      </p:ext>
+    </p:extLst>
+  </p:cSld>
+  <p:clrMapOvr>
+    <a:masterClrMapping/>
+  </p:clrMapOvr>
+</p:notes>
+</file>
+
+<file path=ppt/notesSlides/notesSlide4.xml><?xml version="1.0" encoding="utf-8"?>
+<p:notes xmlns:a="http://schemas.openxmlformats.org/drawingml/2006/main" xmlns:r="http://schemas.openxmlformats.org/officeDocument/2006/relationships" xmlns:p="http://schemas.openxmlformats.org/presentationml/2006/main">
+  <p:cSld>
+    <p:spTree>
+      <p:nvGrpSpPr>
+        <p:cNvPr id="1" name=""/>
+        <p:cNvGrpSpPr/>
+        <p:nvPr/>
+      </p:nvGrpSpPr>
+      <p:grpSpPr>
+        <a:xfrm>
+          <a:off x="0" y="0"/>
+          <a:ext cx="0" cy="0"/>
+          <a:chOff x="0" y="0"/>
+          <a:chExt cx="0" cy="0"/>
+        </a:xfrm>
+      </p:grpSpPr>
+      <p:sp>
+        <p:nvSpPr>
+          <p:cNvPr id="2" name="スライド イメージ プレースホルダー 1"/>
+          <p:cNvSpPr>
+            <a:spLocks noGrp="1" noRot="1" noChangeAspect="1"/>
+          </p:cNvSpPr>
+          <p:nvPr>
+            <p:ph type="sldImg"/>
+          </p:nvPr>
+        </p:nvSpPr>
+        <p:spPr/>
+      </p:sp>
+      <p:sp>
+        <p:nvSpPr>
+          <p:cNvPr id="3" name="ノート プレースホルダー 2"/>
+          <p:cNvSpPr>
+            <a:spLocks noGrp="1"/>
+          </p:cNvSpPr>
+          <p:nvPr>
+            <p:ph type="body" idx="1"/>
+          </p:nvPr>
+        </p:nvSpPr>
+        <p:spPr/>
+        <p:txBody>
+          <a:bodyPr/>
+          <a:lstStyle/>
+          <a:p>
+            <a:r>
+              <a:rPr kumimoji="1" lang="en-US" altLang="ja-JP" dirty="0"/>
+              <a:t>Evaluate</a:t>
+            </a:r>
+            <a:r>
+              <a:rPr kumimoji="1" lang="ja-JP" altLang="en-US" dirty="0"/>
+              <a:t>の部分は詳しい説明が必要</a:t>
+            </a:r>
+          </a:p>
+        </p:txBody>
+      </p:sp>
+      <p:sp>
+        <p:nvSpPr>
+          <p:cNvPr id="4" name="スライド番号プレースホルダー 3"/>
+          <p:cNvSpPr>
+            <a:spLocks noGrp="1"/>
+          </p:cNvSpPr>
+          <p:nvPr>
+            <p:ph type="sldNum" sz="quarter" idx="10"/>
+          </p:nvPr>
+        </p:nvSpPr>
+        <p:spPr/>
+        <p:txBody>
+          <a:bodyPr/>
+          <a:lstStyle/>
+          <a:p>
+            <a:fld id="{F4037843-3F10-468A-BCF2-09E8B7D01C0C}" type="slidenum">
+              <a:rPr kumimoji="1" lang="ja-JP" altLang="en-US" smtClean="0"/>
+              <a:t>4</a:t>
+            </a:fld>
+            <a:endParaRPr kumimoji="1" lang="ja-JP" altLang="en-US"/>
+          </a:p>
+        </p:txBody>
+      </p:sp>
+    </p:spTree>
+    <p:extLst>
+      <p:ext uri="{BB962C8B-B14F-4D97-AF65-F5344CB8AC3E}">
         <p14:creationId xmlns:p14="http://schemas.microsoft.com/office/powerpoint/2010/main" val="1171517487"/>
+      </p:ext>
+    </p:extLst>
+  </p:cSld>
+  <p:clrMapOvr>
+    <a:masterClrMapping/>
+  </p:clrMapOvr>
+</p:notes>
+</file>
+
+<file path=ppt/notesSlides/notesSlide5.xml><?xml version="1.0" encoding="utf-8"?>
+<p:notes xmlns:a="http://schemas.openxmlformats.org/drawingml/2006/main" xmlns:r="http://schemas.openxmlformats.org/officeDocument/2006/relationships" xmlns:p="http://schemas.openxmlformats.org/presentationml/2006/main">
+  <p:cSld>
+    <p:spTree>
+      <p:nvGrpSpPr>
+        <p:cNvPr id="1" name=""/>
+        <p:cNvGrpSpPr/>
+        <p:nvPr/>
+      </p:nvGrpSpPr>
+      <p:grpSpPr>
+        <a:xfrm>
+          <a:off x="0" y="0"/>
+          <a:ext cx="0" cy="0"/>
+          <a:chOff x="0" y="0"/>
+          <a:chExt cx="0" cy="0"/>
+        </a:xfrm>
+      </p:grpSpPr>
+      <p:sp>
+        <p:nvSpPr>
+          <p:cNvPr id="2" name="スライド イメージ プレースホルダー 1"/>
+          <p:cNvSpPr>
+            <a:spLocks noGrp="1" noRot="1" noChangeAspect="1"/>
+          </p:cNvSpPr>
+          <p:nvPr>
+            <p:ph type="sldImg"/>
+          </p:nvPr>
+        </p:nvSpPr>
+        <p:spPr/>
+      </p:sp>
+      <p:sp>
+        <p:nvSpPr>
+          <p:cNvPr id="3" name="ノート プレースホルダー 2"/>
+          <p:cNvSpPr>
+            <a:spLocks noGrp="1"/>
+          </p:cNvSpPr>
+          <p:nvPr>
+            <p:ph type="body" idx="1"/>
+          </p:nvPr>
+        </p:nvSpPr>
+        <p:spPr/>
+        <p:txBody>
+          <a:bodyPr/>
+          <a:lstStyle/>
+          <a:p>
+            <a:endParaRPr kumimoji="1" lang="ja-JP" altLang="en-US"/>
+          </a:p>
+        </p:txBody>
+      </p:sp>
+      <p:sp>
+        <p:nvSpPr>
+          <p:cNvPr id="4" name="スライド番号プレースホルダー 3"/>
+          <p:cNvSpPr>
+            <a:spLocks noGrp="1"/>
+          </p:cNvSpPr>
+          <p:nvPr>
+            <p:ph type="sldNum" sz="quarter" idx="10"/>
+          </p:nvPr>
+        </p:nvSpPr>
+        <p:spPr/>
+        <p:txBody>
+          <a:bodyPr/>
+          <a:lstStyle/>
+          <a:p>
+            <a:fld id="{F4037843-3F10-468A-BCF2-09E8B7D01C0C}" type="slidenum">
+              <a:rPr kumimoji="1" lang="ja-JP" altLang="en-US" smtClean="0"/>
+              <a:t>5</a:t>
+            </a:fld>
+            <a:endParaRPr kumimoji="1" lang="ja-JP" altLang="en-US"/>
+          </a:p>
+        </p:txBody>
+      </p:sp>
+    </p:spTree>
+    <p:extLst>
+      <p:ext uri="{BB962C8B-B14F-4D97-AF65-F5344CB8AC3E}">
+        <p14:creationId xmlns:p14="http://schemas.microsoft.com/office/powerpoint/2010/main" val="3567740529"/>
+      </p:ext>
+    </p:extLst>
+  </p:cSld>
+  <p:clrMapOvr>
+    <a:masterClrMapping/>
+  </p:clrMapOvr>
+</p:notes>
+</file>
+
+<file path=ppt/notesSlides/notesSlide6.xml><?xml version="1.0" encoding="utf-8"?>
+<p:notes xmlns:a="http://schemas.openxmlformats.org/drawingml/2006/main" xmlns:r="http://schemas.openxmlformats.org/officeDocument/2006/relationships" xmlns:p="http://schemas.openxmlformats.org/presentationml/2006/main">
+  <p:cSld>
+    <p:spTree>
+      <p:nvGrpSpPr>
+        <p:cNvPr id="1" name=""/>
+        <p:cNvGrpSpPr/>
+        <p:nvPr/>
+      </p:nvGrpSpPr>
+      <p:grpSpPr>
+        <a:xfrm>
+          <a:off x="0" y="0"/>
+          <a:ext cx="0" cy="0"/>
+          <a:chOff x="0" y="0"/>
+          <a:chExt cx="0" cy="0"/>
+        </a:xfrm>
+      </p:grpSpPr>
+      <p:sp>
+        <p:nvSpPr>
+          <p:cNvPr id="2" name="スライド イメージ プレースホルダー 1"/>
+          <p:cNvSpPr>
+            <a:spLocks noGrp="1" noRot="1" noChangeAspect="1"/>
+          </p:cNvSpPr>
+          <p:nvPr>
+            <p:ph type="sldImg"/>
+          </p:nvPr>
+        </p:nvSpPr>
+        <p:spPr/>
+      </p:sp>
+      <p:sp>
+        <p:nvSpPr>
+          <p:cNvPr id="3" name="ノート プレースホルダー 2"/>
+          <p:cNvSpPr>
+            <a:spLocks noGrp="1"/>
+          </p:cNvSpPr>
+          <p:nvPr>
+            <p:ph type="body" idx="1"/>
+          </p:nvPr>
+        </p:nvSpPr>
+        <p:spPr/>
+        <p:txBody>
+          <a:bodyPr/>
+          <a:lstStyle/>
+          <a:p>
+            <a:endParaRPr kumimoji="1" lang="ja-JP" altLang="en-US"/>
+          </a:p>
+        </p:txBody>
+      </p:sp>
+      <p:sp>
+        <p:nvSpPr>
+          <p:cNvPr id="4" name="スライド番号プレースホルダー 3"/>
+          <p:cNvSpPr>
+            <a:spLocks noGrp="1"/>
+          </p:cNvSpPr>
+          <p:nvPr>
+            <p:ph type="sldNum" sz="quarter" idx="10"/>
+          </p:nvPr>
+        </p:nvSpPr>
+        <p:spPr/>
+        <p:txBody>
+          <a:bodyPr/>
+          <a:lstStyle/>
+          <a:p>
+            <a:fld id="{F4037843-3F10-468A-BCF2-09E8B7D01C0C}" type="slidenum">
+              <a:rPr kumimoji="1" lang="ja-JP" altLang="en-US" smtClean="0"/>
+              <a:t>6</a:t>
+            </a:fld>
+            <a:endParaRPr kumimoji="1" lang="ja-JP" altLang="en-US"/>
+          </a:p>
+        </p:txBody>
+      </p:sp>
+    </p:spTree>
+    <p:extLst>
+      <p:ext uri="{BB962C8B-B14F-4D97-AF65-F5344CB8AC3E}">
+        <p14:creationId xmlns:p14="http://schemas.microsoft.com/office/powerpoint/2010/main" val="1692695197"/>
+      </p:ext>
+    </p:extLst>
+  </p:cSld>
+  <p:clrMapOvr>
+    <a:masterClrMapping/>
+  </p:clrMapOvr>
+</p:notes>
+</file>
+
+<file path=ppt/notesSlides/notesSlide7.xml><?xml version="1.0" encoding="utf-8"?>
+<p:notes xmlns:a="http://schemas.openxmlformats.org/drawingml/2006/main" xmlns:r="http://schemas.openxmlformats.org/officeDocument/2006/relationships" xmlns:p="http://schemas.openxmlformats.org/presentationml/2006/main">
+  <p:cSld>
+    <p:spTree>
+      <p:nvGrpSpPr>
+        <p:cNvPr id="1" name=""/>
+        <p:cNvGrpSpPr/>
+        <p:nvPr/>
+      </p:nvGrpSpPr>
+      <p:grpSpPr>
+        <a:xfrm>
+          <a:off x="0" y="0"/>
+          <a:ext cx="0" cy="0"/>
+          <a:chOff x="0" y="0"/>
+          <a:chExt cx="0" cy="0"/>
+        </a:xfrm>
+      </p:grpSpPr>
+      <p:sp>
+        <p:nvSpPr>
+          <p:cNvPr id="2" name="スライド イメージ プレースホルダー 1"/>
+          <p:cNvSpPr>
+            <a:spLocks noGrp="1" noRot="1" noChangeAspect="1"/>
+          </p:cNvSpPr>
+          <p:nvPr>
+            <p:ph type="sldImg"/>
+          </p:nvPr>
+        </p:nvSpPr>
+        <p:spPr/>
+      </p:sp>
+      <p:sp>
+        <p:nvSpPr>
+          <p:cNvPr id="3" name="ノート プレースホルダー 2"/>
+          <p:cNvSpPr>
+            <a:spLocks noGrp="1"/>
+          </p:cNvSpPr>
+          <p:nvPr>
+            <p:ph type="body" idx="1"/>
+          </p:nvPr>
+        </p:nvSpPr>
+        <p:spPr/>
+        <p:txBody>
+          <a:bodyPr/>
+          <a:lstStyle/>
+          <a:p>
+            <a:endParaRPr kumimoji="1" lang="ja-JP" altLang="en-US"/>
+          </a:p>
+        </p:txBody>
+      </p:sp>
+      <p:sp>
+        <p:nvSpPr>
+          <p:cNvPr id="4" name="スライド番号プレースホルダー 3"/>
+          <p:cNvSpPr>
+            <a:spLocks noGrp="1"/>
+          </p:cNvSpPr>
+          <p:nvPr>
+            <p:ph type="sldNum" sz="quarter" idx="10"/>
+          </p:nvPr>
+        </p:nvSpPr>
+        <p:spPr/>
+        <p:txBody>
+          <a:bodyPr/>
+          <a:lstStyle/>
+          <a:p>
+            <a:fld id="{F4037843-3F10-468A-BCF2-09E8B7D01C0C}" type="slidenum">
+              <a:rPr kumimoji="1" lang="ja-JP" altLang="en-US" smtClean="0"/>
+              <a:t>7</a:t>
+            </a:fld>
+            <a:endParaRPr kumimoji="1" lang="ja-JP" altLang="en-US"/>
+          </a:p>
+        </p:txBody>
+      </p:sp>
+    </p:spTree>
+    <p:extLst>
+      <p:ext uri="{BB962C8B-B14F-4D97-AF65-F5344CB8AC3E}">
+        <p14:creationId xmlns:p14="http://schemas.microsoft.com/office/powerpoint/2010/main" val="3614659194"/>
+      </p:ext>
+    </p:extLst>
+  </p:cSld>
+  <p:clrMapOvr>
+    <a:masterClrMapping/>
+  </p:clrMapOvr>
+</p:notes>
+</file>
+
+<file path=ppt/notesSlides/notesSlide8.xml><?xml version="1.0" encoding="utf-8"?>
+<p:notes xmlns:a="http://schemas.openxmlformats.org/drawingml/2006/main" xmlns:r="http://schemas.openxmlformats.org/officeDocument/2006/relationships" xmlns:p="http://schemas.openxmlformats.org/presentationml/2006/main">
+  <p:cSld>
+    <p:spTree>
+      <p:nvGrpSpPr>
+        <p:cNvPr id="1" name=""/>
+        <p:cNvGrpSpPr/>
+        <p:nvPr/>
+      </p:nvGrpSpPr>
+      <p:grpSpPr>
+        <a:xfrm>
+          <a:off x="0" y="0"/>
+          <a:ext cx="0" cy="0"/>
+          <a:chOff x="0" y="0"/>
+          <a:chExt cx="0" cy="0"/>
+        </a:xfrm>
+      </p:grpSpPr>
+      <p:sp>
+        <p:nvSpPr>
+          <p:cNvPr id="2" name="スライド イメージ プレースホルダー 1"/>
+          <p:cNvSpPr>
+            <a:spLocks noGrp="1" noRot="1" noChangeAspect="1"/>
+          </p:cNvSpPr>
+          <p:nvPr>
+            <p:ph type="sldImg"/>
+          </p:nvPr>
+        </p:nvSpPr>
+        <p:spPr/>
+      </p:sp>
+      <p:sp>
+        <p:nvSpPr>
+          <p:cNvPr id="3" name="ノート プレースホルダー 2"/>
+          <p:cNvSpPr>
+            <a:spLocks noGrp="1"/>
+          </p:cNvSpPr>
+          <p:nvPr>
+            <p:ph type="body" idx="1"/>
+          </p:nvPr>
+        </p:nvSpPr>
+        <p:spPr/>
+        <p:txBody>
+          <a:bodyPr/>
+          <a:lstStyle/>
+          <a:p>
+            <a:endParaRPr kumimoji="1" lang="ja-JP" altLang="en-US"/>
+          </a:p>
+        </p:txBody>
+      </p:sp>
+      <p:sp>
+        <p:nvSpPr>
+          <p:cNvPr id="4" name="スライド番号プレースホルダー 3"/>
+          <p:cNvSpPr>
+            <a:spLocks noGrp="1"/>
+          </p:cNvSpPr>
+          <p:nvPr>
+            <p:ph type="sldNum" sz="quarter" idx="10"/>
+          </p:nvPr>
+        </p:nvSpPr>
+        <p:spPr/>
+        <p:txBody>
+          <a:bodyPr/>
+          <a:lstStyle/>
+          <a:p>
+            <a:fld id="{F4037843-3F10-468A-BCF2-09E8B7D01C0C}" type="slidenum">
+              <a:rPr kumimoji="1" lang="ja-JP" altLang="en-US" smtClean="0"/>
+              <a:t>8</a:t>
+            </a:fld>
+            <a:endParaRPr kumimoji="1" lang="ja-JP" altLang="en-US"/>
+          </a:p>
+        </p:txBody>
+      </p:sp>
+    </p:spTree>
+    <p:extLst>
+      <p:ext uri="{BB962C8B-B14F-4D97-AF65-F5344CB8AC3E}">
+        <p14:creationId xmlns:p14="http://schemas.microsoft.com/office/powerpoint/2010/main" val="690241282"/>
+      </p:ext>
+    </p:extLst>
+  </p:cSld>
+  <p:clrMapOvr>
+    <a:masterClrMapping/>
+  </p:clrMapOvr>
+</p:notes>
+</file>
+
+<file path=ppt/notesSlides/notesSlide9.xml><?xml version="1.0" encoding="utf-8"?>
+<p:notes xmlns:a="http://schemas.openxmlformats.org/drawingml/2006/main" xmlns:r="http://schemas.openxmlformats.org/officeDocument/2006/relationships" xmlns:p="http://schemas.openxmlformats.org/presentationml/2006/main">
+  <p:cSld>
+    <p:spTree>
+      <p:nvGrpSpPr>
+        <p:cNvPr id="1" name=""/>
+        <p:cNvGrpSpPr/>
+        <p:nvPr/>
+      </p:nvGrpSpPr>
+      <p:grpSpPr>
+        <a:xfrm>
+          <a:off x="0" y="0"/>
+          <a:ext cx="0" cy="0"/>
+          <a:chOff x="0" y="0"/>
+          <a:chExt cx="0" cy="0"/>
+        </a:xfrm>
+      </p:grpSpPr>
+      <p:sp>
+        <p:nvSpPr>
+          <p:cNvPr id="2" name="スライド イメージ プレースホルダー 1"/>
+          <p:cNvSpPr>
+            <a:spLocks noGrp="1" noRot="1" noChangeAspect="1"/>
+          </p:cNvSpPr>
+          <p:nvPr>
+            <p:ph type="sldImg"/>
+          </p:nvPr>
+        </p:nvSpPr>
+        <p:spPr/>
+      </p:sp>
+      <p:sp>
+        <p:nvSpPr>
+          <p:cNvPr id="3" name="ノート プレースホルダー 2"/>
+          <p:cNvSpPr>
+            <a:spLocks noGrp="1"/>
+          </p:cNvSpPr>
+          <p:nvPr>
+            <p:ph type="body" idx="1"/>
+          </p:nvPr>
+        </p:nvSpPr>
+        <p:spPr/>
+        <p:txBody>
+          <a:bodyPr/>
+          <a:lstStyle/>
+          <a:p>
+            <a:endParaRPr kumimoji="1" lang="ja-JP" altLang="en-US"/>
+          </a:p>
+        </p:txBody>
+      </p:sp>
+      <p:sp>
+        <p:nvSpPr>
+          <p:cNvPr id="4" name="スライド番号プレースホルダー 3"/>
+          <p:cNvSpPr>
+            <a:spLocks noGrp="1"/>
+          </p:cNvSpPr>
+          <p:nvPr>
+            <p:ph type="sldNum" sz="quarter" idx="10"/>
+          </p:nvPr>
+        </p:nvSpPr>
+        <p:spPr/>
+        <p:txBody>
+          <a:bodyPr/>
+          <a:lstStyle/>
+          <a:p>
+            <a:fld id="{F4037843-3F10-468A-BCF2-09E8B7D01C0C}" type="slidenum">
+              <a:rPr kumimoji="1" lang="ja-JP" altLang="en-US" smtClean="0"/>
+              <a:t>9</a:t>
+            </a:fld>
+            <a:endParaRPr kumimoji="1" lang="ja-JP" altLang="en-US"/>
+          </a:p>
+        </p:txBody>
+      </p:sp>
+    </p:spTree>
+    <p:extLst>
+      <p:ext uri="{BB962C8B-B14F-4D97-AF65-F5344CB8AC3E}">
+        <p14:creationId xmlns:p14="http://schemas.microsoft.com/office/powerpoint/2010/main" val="1281283837"/>
       </p:ext>
     </p:extLst>
   </p:cSld>
@@ -5632,9 +6481,10 @@
           <a:p>
             <a:pPr algn="ctr"/>
             <a:r>
-              <a:rPr kumimoji="1" lang="ja-JP" altLang="en-US" dirty="0"/>
-              <a:t>デモプレイ</a:t>
-            </a:r>
+              <a:rPr lang="ja-JP" altLang="en-US" dirty="0"/>
+              <a:t>マッチング機能</a:t>
+            </a:r>
+            <a:endParaRPr kumimoji="1" lang="ja-JP" altLang="en-US" dirty="0"/>
           </a:p>
         </p:txBody>
       </p:sp>
@@ -5660,94 +6510,56 @@
           <a:lstStyle/>
           <a:p>
             <a:r>
+              <a:rPr kumimoji="1" lang="ja-JP" altLang="en-US" sz="2500" dirty="0"/>
+              <a:t>質問者は、複数の解答者からの</a:t>
+            </a:r>
+            <a:r>
+              <a:rPr kumimoji="1" lang="ja-JP" altLang="en-US" sz="2500" dirty="0">
+                <a:solidFill>
+                  <a:srgbClr val="FF0000"/>
+                </a:solidFill>
+              </a:rPr>
+              <a:t>立候補</a:t>
+            </a:r>
+            <a:r>
+              <a:rPr kumimoji="1" lang="ja-JP" altLang="en-US" sz="2500" dirty="0"/>
+              <a:t>を受け取り、その中から解答してほしい者に</a:t>
+            </a:r>
+            <a:r>
+              <a:rPr kumimoji="1" lang="ja-JP" altLang="en-US" sz="2500" dirty="0">
+                <a:solidFill>
+                  <a:srgbClr val="FF0000"/>
+                </a:solidFill>
+              </a:rPr>
+              <a:t>オファー</a:t>
+            </a:r>
+            <a:r>
+              <a:rPr kumimoji="1" lang="ja-JP" altLang="en-US" sz="2500" dirty="0"/>
+              <a:t>を送ることができるようにする。</a:t>
+            </a:r>
+            <a:endParaRPr lang="en-US" altLang="ja-JP" sz="2500" dirty="0"/>
+          </a:p>
+          <a:p>
+            <a:endParaRPr kumimoji="1" lang="en-US" altLang="ja-JP" sz="2500" dirty="0"/>
+          </a:p>
+          <a:p>
+            <a:r>
               <a:rPr lang="ja-JP" altLang="en-US" sz="2500" dirty="0"/>
-              <a:t>デモ内容</a:t>
-            </a:r>
-            <a:endParaRPr lang="en-US" altLang="ja-JP" sz="2500" dirty="0"/>
-          </a:p>
-          <a:p>
-            <a:pPr lvl="1"/>
-            <a:r>
-              <a:rPr lang="en-US" altLang="ja-JP" sz="2100" dirty="0"/>
-              <a:t>1)</a:t>
-            </a:r>
-            <a:r>
-              <a:rPr lang="ja-JP" altLang="en-US" sz="2100" dirty="0"/>
-              <a:t> 既に登録しておいたアカウントでログインし、グループを作成し、作成したグループに参加。</a:t>
-            </a:r>
-            <a:endParaRPr lang="en-US" altLang="ja-JP" sz="2100" dirty="0"/>
-          </a:p>
-          <a:p>
-            <a:pPr lvl="1"/>
-            <a:r>
-              <a:rPr lang="en-US" altLang="ja-JP" sz="2100" dirty="0"/>
-              <a:t>2) </a:t>
-            </a:r>
-            <a:r>
-              <a:rPr lang="ja-JP" altLang="en-US" sz="2100" dirty="0"/>
-              <a:t>質問側は、アプリ内でコインを購入。コインを消費し、質問する。</a:t>
-            </a:r>
-            <a:endParaRPr lang="en-US" altLang="ja-JP" sz="2100" dirty="0"/>
-          </a:p>
-          <a:p>
-            <a:pPr lvl="1"/>
-            <a:r>
-              <a:rPr lang="en-US" altLang="ja-JP" sz="2100" dirty="0"/>
-              <a:t>4) </a:t>
-            </a:r>
-            <a:r>
-              <a:rPr lang="ja-JP" altLang="en-US" sz="2100" dirty="0"/>
-              <a:t>解答側は、質問に解答立候補をする。</a:t>
-            </a:r>
-            <a:endParaRPr lang="en-US" altLang="ja-JP" sz="2100" dirty="0"/>
-          </a:p>
-          <a:p>
-            <a:pPr lvl="1"/>
-            <a:r>
-              <a:rPr lang="en-US" altLang="ja-JP" sz="2100" dirty="0"/>
-              <a:t>5) </a:t>
-            </a:r>
-            <a:r>
-              <a:rPr lang="ja-JP" altLang="en-US" sz="2100" dirty="0"/>
-              <a:t>質問側は立候補を確認し、オファーを送信。</a:t>
-            </a:r>
-            <a:endParaRPr lang="en-US" altLang="ja-JP" sz="2100" dirty="0"/>
-          </a:p>
-          <a:p>
-            <a:pPr lvl="1"/>
-            <a:r>
-              <a:rPr lang="en-US" altLang="ja-JP" sz="2100" dirty="0"/>
-              <a:t>6)</a:t>
-            </a:r>
-            <a:r>
-              <a:rPr lang="ja-JP" altLang="en-US" sz="2100" dirty="0"/>
-              <a:t> 解答側はオファーを受け取り、解答する。</a:t>
-            </a:r>
-            <a:endParaRPr lang="en-US" altLang="ja-JP" sz="2100" dirty="0"/>
-          </a:p>
-          <a:p>
-            <a:pPr lvl="1"/>
-            <a:r>
-              <a:rPr lang="en-US" altLang="ja-JP" sz="2100" dirty="0"/>
-              <a:t>7) </a:t>
-            </a:r>
-            <a:r>
-              <a:rPr lang="ja-JP" altLang="en-US" sz="2100" dirty="0"/>
-              <a:t>質問側は、解答を確認し、評価する。</a:t>
-            </a:r>
-            <a:endParaRPr lang="en-US" altLang="ja-JP" sz="2100" dirty="0"/>
-          </a:p>
-          <a:p>
-            <a:pPr lvl="1"/>
-            <a:r>
-              <a:rPr lang="en-US" altLang="ja-JP" sz="2100" dirty="0"/>
-              <a:t>8)</a:t>
-            </a:r>
-            <a:r>
-              <a:rPr lang="ja-JP" altLang="en-US" sz="2100" dirty="0"/>
-              <a:t> 解答側は質問リスト、評価値、コインが変化していることを確認。</a:t>
-            </a:r>
-            <a:endParaRPr lang="en-US" altLang="ja-JP" sz="2100" dirty="0"/>
+              <a:t>この際、質問者は、解答者の</a:t>
+            </a:r>
+            <a:r>
+              <a:rPr lang="ja-JP" altLang="en-US" sz="2500" dirty="0">
+                <a:solidFill>
+                  <a:srgbClr val="FF0000"/>
+                </a:solidFill>
+              </a:rPr>
+              <a:t>情報</a:t>
+            </a:r>
+            <a:r>
+              <a:rPr lang="ja-JP" altLang="en-US" sz="2500" dirty="0"/>
+              <a:t>（解答数、評価値など）を見ることができる。</a:t>
+            </a:r>
+            <a:endParaRPr kumimoji="1" lang="en-US" altLang="ja-JP" sz="2500" dirty="0"/>
           </a:p>
         </p:txBody>
       </p:sp>
@@ -5808,6 +6620,570 @@
             <a:fld id="{E457AAFA-38F4-4DED-BA16-33C71D378A14}" type="slidenum">
               <a:rPr kumimoji="1" lang="ja-JP" altLang="en-US" smtClean="0"/>
               <a:t>10</a:t>
+            </a:fld>
+            <a:endParaRPr kumimoji="1" lang="ja-JP" altLang="en-US"/>
+          </a:p>
+        </p:txBody>
+      </p:sp>
+    </p:spTree>
+    <p:extLst>
+      <p:ext uri="{BB962C8B-B14F-4D97-AF65-F5344CB8AC3E}">
+        <p14:creationId xmlns:p14="http://schemas.microsoft.com/office/powerpoint/2010/main" val="1965178502"/>
+      </p:ext>
+    </p:extLst>
+  </p:cSld>
+  <p:clrMapOvr>
+    <a:masterClrMapping/>
+  </p:clrMapOvr>
+</p:sld>
+</file>
+
+<file path=ppt/slides/slide11.xml><?xml version="1.0" encoding="utf-8"?>
+<p:sld xmlns:a="http://schemas.openxmlformats.org/drawingml/2006/main" xmlns:r="http://schemas.openxmlformats.org/officeDocument/2006/relationships" xmlns:p="http://schemas.openxmlformats.org/presentationml/2006/main">
+  <p:cSld>
+    <p:spTree>
+      <p:nvGrpSpPr>
+        <p:cNvPr id="1" name=""/>
+        <p:cNvGrpSpPr/>
+        <p:nvPr/>
+      </p:nvGrpSpPr>
+      <p:grpSpPr>
+        <a:xfrm>
+          <a:off x="0" y="0"/>
+          <a:ext cx="0" cy="0"/>
+          <a:chOff x="0" y="0"/>
+          <a:chExt cx="0" cy="0"/>
+        </a:xfrm>
+      </p:grpSpPr>
+      <p:sp>
+        <p:nvSpPr>
+          <p:cNvPr id="2" name="タイトル 1">
+            <a:extLst>
+              <a:ext uri="{FF2B5EF4-FFF2-40B4-BE49-F238E27FC236}">
+                <a16:creationId xmlns:a16="http://schemas.microsoft.com/office/drawing/2014/main" id="{D4670EB2-7F61-431A-9C41-40DBF1905E2D}"/>
+              </a:ext>
+            </a:extLst>
+          </p:cNvPr>
+          <p:cNvSpPr>
+            <a:spLocks noGrp="1"/>
+          </p:cNvSpPr>
+          <p:nvPr>
+            <p:ph type="title"/>
+          </p:nvPr>
+        </p:nvSpPr>
+        <p:spPr/>
+        <p:txBody>
+          <a:bodyPr/>
+          <a:lstStyle/>
+          <a:p>
+            <a:pPr algn="ctr"/>
+            <a:r>
+              <a:rPr lang="ja-JP" altLang="en-US" dirty="0"/>
+              <a:t>グループ機能</a:t>
+            </a:r>
+            <a:endParaRPr kumimoji="1" lang="ja-JP" altLang="en-US" dirty="0"/>
+          </a:p>
+        </p:txBody>
+      </p:sp>
+      <p:sp>
+        <p:nvSpPr>
+          <p:cNvPr id="3" name="コンテンツ プレースホルダー 2">
+            <a:extLst>
+              <a:ext uri="{FF2B5EF4-FFF2-40B4-BE49-F238E27FC236}">
+                <a16:creationId xmlns:a16="http://schemas.microsoft.com/office/drawing/2014/main" id="{BB285881-6577-4F9E-952C-0808FF9E0B36}"/>
+              </a:ext>
+            </a:extLst>
+          </p:cNvPr>
+          <p:cNvSpPr>
+            <a:spLocks noGrp="1"/>
+          </p:cNvSpPr>
+          <p:nvPr>
+            <p:ph idx="1"/>
+          </p:nvPr>
+        </p:nvSpPr>
+        <p:spPr/>
+        <p:txBody>
+          <a:bodyPr/>
+          <a:lstStyle/>
+          <a:p>
+            <a:r>
+              <a:rPr lang="ja-JP" altLang="en-US" sz="2500" dirty="0"/>
+              <a:t>利用者は、新たに</a:t>
+            </a:r>
+            <a:r>
+              <a:rPr lang="ja-JP" altLang="en-US" sz="2500" dirty="0">
+                <a:solidFill>
+                  <a:srgbClr val="FF0000"/>
+                </a:solidFill>
+              </a:rPr>
+              <a:t>グループ</a:t>
+            </a:r>
+            <a:r>
+              <a:rPr lang="ja-JP" altLang="en-US" sz="2500" dirty="0"/>
+              <a:t>を作成したり、既存の</a:t>
+            </a:r>
+            <a:r>
+              <a:rPr lang="ja-JP" altLang="en-US" sz="2500" dirty="0">
+                <a:solidFill>
+                  <a:srgbClr val="FF0000"/>
+                </a:solidFill>
+              </a:rPr>
+              <a:t>グループ</a:t>
+            </a:r>
+            <a:r>
+              <a:rPr lang="ja-JP" altLang="en-US" sz="2500" dirty="0"/>
+              <a:t>に参加したりすることができる。</a:t>
+            </a:r>
+            <a:endParaRPr lang="en-US" altLang="ja-JP" sz="2500" dirty="0"/>
+          </a:p>
+          <a:p>
+            <a:endParaRPr kumimoji="1" lang="en-US" altLang="ja-JP" sz="2500" dirty="0"/>
+          </a:p>
+          <a:p>
+            <a:r>
+              <a:rPr kumimoji="1" lang="ja-JP" altLang="en-US" sz="2500" dirty="0">
+                <a:solidFill>
+                  <a:srgbClr val="FF0000"/>
+                </a:solidFill>
+              </a:rPr>
+              <a:t>グループ</a:t>
+            </a:r>
+            <a:r>
+              <a:rPr kumimoji="1" lang="ja-JP" altLang="en-US" sz="2500" dirty="0"/>
+              <a:t>は、</a:t>
+            </a:r>
+            <a:r>
+              <a:rPr kumimoji="1" lang="ja-JP" altLang="en-US" sz="2500" dirty="0">
+                <a:solidFill>
+                  <a:srgbClr val="FF0000"/>
+                </a:solidFill>
+              </a:rPr>
+              <a:t>専攻</a:t>
+            </a:r>
+            <a:r>
+              <a:rPr kumimoji="1" lang="ja-JP" altLang="en-US" sz="2500" dirty="0"/>
+              <a:t>、</a:t>
+            </a:r>
+            <a:r>
+              <a:rPr kumimoji="1" lang="ja-JP" altLang="en-US" sz="2500" dirty="0">
+                <a:solidFill>
+                  <a:srgbClr val="FF0000"/>
+                </a:solidFill>
+              </a:rPr>
+              <a:t>科目</a:t>
+            </a:r>
+            <a:r>
+              <a:rPr kumimoji="1" lang="ja-JP" altLang="en-US" sz="2500" dirty="0"/>
+              <a:t>、</a:t>
+            </a:r>
+            <a:r>
+              <a:rPr kumimoji="1" lang="ja-JP" altLang="en-US" sz="2500" dirty="0">
+                <a:solidFill>
+                  <a:srgbClr val="FF0000"/>
+                </a:solidFill>
+              </a:rPr>
+              <a:t>趣味</a:t>
+            </a:r>
+            <a:r>
+              <a:rPr kumimoji="1" lang="ja-JP" altLang="en-US" sz="2500" dirty="0"/>
+              <a:t>など様々なものを想定しており、</a:t>
+            </a:r>
+            <a:r>
+              <a:rPr kumimoji="1" lang="ja-JP" altLang="en-US" sz="2500" dirty="0">
+                <a:solidFill>
+                  <a:srgbClr val="FF0000"/>
+                </a:solidFill>
+              </a:rPr>
+              <a:t>グループ</a:t>
+            </a:r>
+            <a:r>
+              <a:rPr kumimoji="1" lang="ja-JP" altLang="en-US" sz="2500" dirty="0"/>
+              <a:t>内</a:t>
+            </a:r>
+            <a:r>
+              <a:rPr lang="ja-JP" altLang="en-US" sz="2500" dirty="0"/>
+              <a:t>で</a:t>
+            </a:r>
+            <a:r>
+              <a:rPr kumimoji="1" lang="ja-JP" altLang="en-US" sz="2500" dirty="0"/>
+              <a:t>質問、解答が可能。</a:t>
+            </a:r>
+          </a:p>
+        </p:txBody>
+      </p:sp>
+      <p:sp>
+        <p:nvSpPr>
+          <p:cNvPr id="4" name="フッター プレースホルダー 3">
+            <a:extLst>
+              <a:ext uri="{FF2B5EF4-FFF2-40B4-BE49-F238E27FC236}">
+                <a16:creationId xmlns:a16="http://schemas.microsoft.com/office/drawing/2014/main" id="{9342A4D2-EE37-4B25-92A2-CC92EAB934B9}"/>
+              </a:ext>
+            </a:extLst>
+          </p:cNvPr>
+          <p:cNvSpPr>
+            <a:spLocks noGrp="1"/>
+          </p:cNvSpPr>
+          <p:nvPr>
+            <p:ph type="ftr" sz="quarter" idx="11"/>
+          </p:nvPr>
+        </p:nvSpPr>
+        <p:spPr/>
+        <p:txBody>
+          <a:bodyPr/>
+          <a:lstStyle/>
+          <a:p>
+            <a:r>
+              <a:rPr kumimoji="1" lang="ja-JP" altLang="en-US"/>
+              <a:t>プロジェクトラーニング成果報告会 </a:t>
+            </a:r>
+            <a:r>
+              <a:rPr kumimoji="1" lang="en-US" altLang="ja-JP"/>
+              <a:t>2018/07/24(Tue)</a:t>
+            </a:r>
+            <a:endParaRPr kumimoji="1" lang="ja-JP" altLang="en-US"/>
+          </a:p>
+        </p:txBody>
+      </p:sp>
+      <p:sp>
+        <p:nvSpPr>
+          <p:cNvPr id="5" name="スライド番号プレースホルダー 4">
+            <a:extLst>
+              <a:ext uri="{FF2B5EF4-FFF2-40B4-BE49-F238E27FC236}">
+                <a16:creationId xmlns:a16="http://schemas.microsoft.com/office/drawing/2014/main" id="{DD581BCC-0C45-44B8-8BD9-6788A5DE17D6}"/>
+              </a:ext>
+            </a:extLst>
+          </p:cNvPr>
+          <p:cNvSpPr>
+            <a:spLocks noGrp="1"/>
+          </p:cNvSpPr>
+          <p:nvPr>
+            <p:ph type="sldNum" sz="quarter" idx="12"/>
+          </p:nvPr>
+        </p:nvSpPr>
+        <p:spPr/>
+        <p:txBody>
+          <a:bodyPr/>
+          <a:lstStyle/>
+          <a:p>
+            <a:fld id="{E457AAFA-38F4-4DED-BA16-33C71D378A14}" type="slidenum">
+              <a:rPr kumimoji="1" lang="ja-JP" altLang="en-US" smtClean="0"/>
+              <a:t>11</a:t>
+            </a:fld>
+            <a:endParaRPr kumimoji="1" lang="ja-JP" altLang="en-US"/>
+          </a:p>
+        </p:txBody>
+      </p:sp>
+      <p:sp>
+        <p:nvSpPr>
+          <p:cNvPr id="7" name="正方形/長方形 6">
+            <a:extLst>
+              <a:ext uri="{FF2B5EF4-FFF2-40B4-BE49-F238E27FC236}">
+                <a16:creationId xmlns:a16="http://schemas.microsoft.com/office/drawing/2014/main" id="{85D0486A-B65A-4A18-92DF-9F512BDE46CB}"/>
+              </a:ext>
+            </a:extLst>
+          </p:cNvPr>
+          <p:cNvSpPr/>
+          <p:nvPr/>
+        </p:nvSpPr>
+        <p:spPr>
+          <a:xfrm>
+            <a:off x="806793" y="3468235"/>
+            <a:ext cx="2293251" cy="3223468"/>
+          </a:xfrm>
+          <a:prstGeom prst="rect">
+            <a:avLst/>
+          </a:prstGeom>
+        </p:spPr>
+        <p:style>
+          <a:lnRef idx="2">
+            <a:schemeClr val="dk1">
+              <a:shade val="50000"/>
+            </a:schemeClr>
+          </a:lnRef>
+          <a:fillRef idx="1">
+            <a:schemeClr val="dk1"/>
+          </a:fillRef>
+          <a:effectRef idx="0">
+            <a:schemeClr val="dk1"/>
+          </a:effectRef>
+          <a:fontRef idx="minor">
+            <a:schemeClr val="lt1"/>
+          </a:fontRef>
+        </p:style>
+        <p:txBody>
+          <a:bodyPr rtlCol="0" anchor="ctr"/>
+          <a:lstStyle/>
+          <a:p>
+            <a:pPr algn="ctr"/>
+            <a:endParaRPr kumimoji="1" lang="ja-JP" altLang="en-US"/>
+          </a:p>
+        </p:txBody>
+      </p:sp>
+      <p:pic>
+        <p:nvPicPr>
+          <p:cNvPr id="10" name="図 9" descr="スクリーンショット が含まれている画像&#10;&#10;非常に高い精度で生成された説明">
+            <a:extLst>
+              <a:ext uri="{FF2B5EF4-FFF2-40B4-BE49-F238E27FC236}">
+                <a16:creationId xmlns:a16="http://schemas.microsoft.com/office/drawing/2014/main" id="{F63C8706-57B8-47C9-BF00-FE8DC59DE3B7}"/>
+              </a:ext>
+            </a:extLst>
+          </p:cNvPr>
+          <p:cNvPicPr>
+            <a:picLocks noChangeAspect="1"/>
+          </p:cNvPicPr>
+          <p:nvPr/>
+        </p:nvPicPr>
+        <p:blipFill>
+          <a:blip r:embed="rId3">
+            <a:extLst>
+              <a:ext uri="{28A0092B-C50C-407E-A947-70E740481C1C}">
+                <a14:useLocalDpi xmlns:a14="http://schemas.microsoft.com/office/drawing/2010/main" val="0"/>
+              </a:ext>
+            </a:extLst>
+          </a:blip>
+          <a:stretch>
+            <a:fillRect/>
+          </a:stretch>
+        </p:blipFill>
+        <p:spPr>
+          <a:xfrm>
+            <a:off x="924740" y="3538815"/>
+            <a:ext cx="2057356" cy="3082307"/>
+          </a:xfrm>
+          <a:prstGeom prst="rect">
+            <a:avLst/>
+          </a:prstGeom>
+        </p:spPr>
+      </p:pic>
+    </p:spTree>
+    <p:extLst>
+      <p:ext uri="{BB962C8B-B14F-4D97-AF65-F5344CB8AC3E}">
+        <p14:creationId xmlns:p14="http://schemas.microsoft.com/office/powerpoint/2010/main" val="2758003830"/>
+      </p:ext>
+    </p:extLst>
+  </p:cSld>
+  <p:clrMapOvr>
+    <a:masterClrMapping/>
+  </p:clrMapOvr>
+</p:sld>
+</file>
+
+<file path=ppt/slides/slide12.xml><?xml version="1.0" encoding="utf-8"?>
+<p:sld xmlns:a="http://schemas.openxmlformats.org/drawingml/2006/main" xmlns:r="http://schemas.openxmlformats.org/officeDocument/2006/relationships" xmlns:p="http://schemas.openxmlformats.org/presentationml/2006/main">
+  <p:cSld>
+    <p:spTree>
+      <p:nvGrpSpPr>
+        <p:cNvPr id="1" name=""/>
+        <p:cNvGrpSpPr/>
+        <p:nvPr/>
+      </p:nvGrpSpPr>
+      <p:grpSpPr>
+        <a:xfrm>
+          <a:off x="0" y="0"/>
+          <a:ext cx="0" cy="0"/>
+          <a:chOff x="0" y="0"/>
+          <a:chExt cx="0" cy="0"/>
+        </a:xfrm>
+      </p:grpSpPr>
+      <p:sp>
+        <p:nvSpPr>
+          <p:cNvPr id="2" name="タイトル 1">
+            <a:extLst>
+              <a:ext uri="{FF2B5EF4-FFF2-40B4-BE49-F238E27FC236}">
+                <a16:creationId xmlns:a16="http://schemas.microsoft.com/office/drawing/2014/main" id="{D4670EB2-7F61-431A-9C41-40DBF1905E2D}"/>
+              </a:ext>
+            </a:extLst>
+          </p:cNvPr>
+          <p:cNvSpPr>
+            <a:spLocks noGrp="1"/>
+          </p:cNvSpPr>
+          <p:nvPr>
+            <p:ph type="title"/>
+          </p:nvPr>
+        </p:nvSpPr>
+        <p:spPr/>
+        <p:txBody>
+          <a:bodyPr/>
+          <a:lstStyle/>
+          <a:p>
+            <a:pPr algn="ctr"/>
+            <a:r>
+              <a:rPr kumimoji="1" lang="ja-JP" altLang="en-US" dirty="0"/>
+              <a:t>デモプレイ</a:t>
+            </a:r>
+          </a:p>
+        </p:txBody>
+      </p:sp>
+      <p:sp>
+        <p:nvSpPr>
+          <p:cNvPr id="3" name="コンテンツ プレースホルダー 2">
+            <a:extLst>
+              <a:ext uri="{FF2B5EF4-FFF2-40B4-BE49-F238E27FC236}">
+                <a16:creationId xmlns:a16="http://schemas.microsoft.com/office/drawing/2014/main" id="{BB285881-6577-4F9E-952C-0808FF9E0B36}"/>
+              </a:ext>
+            </a:extLst>
+          </p:cNvPr>
+          <p:cNvSpPr>
+            <a:spLocks noGrp="1"/>
+          </p:cNvSpPr>
+          <p:nvPr>
+            <p:ph idx="1"/>
+          </p:nvPr>
+        </p:nvSpPr>
+        <p:spPr/>
+        <p:txBody>
+          <a:bodyPr/>
+          <a:lstStyle/>
+          <a:p>
+            <a:r>
+              <a:rPr lang="ja-JP" altLang="en-US" sz="2500" dirty="0"/>
+              <a:t>デモ内容</a:t>
+            </a:r>
+            <a:endParaRPr lang="en-US" altLang="ja-JP" sz="2500" dirty="0"/>
+          </a:p>
+          <a:p>
+            <a:pPr lvl="1"/>
+            <a:r>
+              <a:rPr lang="en-US" altLang="ja-JP" sz="2100" dirty="0"/>
+              <a:t>1)</a:t>
+            </a:r>
+            <a:r>
+              <a:rPr lang="ja-JP" altLang="en-US" sz="2100" dirty="0"/>
+              <a:t> 既に登録しておいたアカウントでログインする。その後、グループを作成し、作成したグループに参加。</a:t>
+            </a:r>
+            <a:endParaRPr lang="en-US" altLang="ja-JP" sz="2100" dirty="0"/>
+          </a:p>
+          <a:p>
+            <a:pPr lvl="1"/>
+            <a:r>
+              <a:rPr lang="en-US" altLang="ja-JP" sz="2100" dirty="0"/>
+              <a:t>2) </a:t>
+            </a:r>
+            <a:r>
+              <a:rPr lang="ja-JP" altLang="en-US" sz="2100" dirty="0"/>
+              <a:t>質問側は、アプリ内でコインを購入。コインを消費し、質問する。</a:t>
+            </a:r>
+            <a:endParaRPr lang="en-US" altLang="ja-JP" sz="2100" dirty="0"/>
+          </a:p>
+          <a:p>
+            <a:pPr lvl="1"/>
+            <a:r>
+              <a:rPr lang="en-US" altLang="ja-JP" sz="2100" dirty="0"/>
+              <a:t>4) </a:t>
+            </a:r>
+            <a:r>
+              <a:rPr lang="ja-JP" altLang="en-US" sz="2100" dirty="0"/>
+              <a:t>解答側は、質問に解答立候補をする。</a:t>
+            </a:r>
+            <a:endParaRPr lang="en-US" altLang="ja-JP" sz="2100" dirty="0"/>
+          </a:p>
+          <a:p>
+            <a:pPr lvl="1"/>
+            <a:r>
+              <a:rPr lang="en-US" altLang="ja-JP" sz="2100" dirty="0"/>
+              <a:t>5) </a:t>
+            </a:r>
+            <a:r>
+              <a:rPr lang="ja-JP" altLang="en-US" sz="2100" dirty="0"/>
+              <a:t>質問側は立候補を確認し、オファーを送信。</a:t>
+            </a:r>
+            <a:endParaRPr lang="en-US" altLang="ja-JP" sz="2100" dirty="0"/>
+          </a:p>
+          <a:p>
+            <a:pPr lvl="1"/>
+            <a:r>
+              <a:rPr lang="en-US" altLang="ja-JP" sz="2100" dirty="0"/>
+              <a:t>6)</a:t>
+            </a:r>
+            <a:r>
+              <a:rPr lang="ja-JP" altLang="en-US" sz="2100" dirty="0"/>
+              <a:t> 解答側はオファーを受け取り、解答する。</a:t>
+            </a:r>
+            <a:endParaRPr lang="en-US" altLang="ja-JP" sz="2100" dirty="0"/>
+          </a:p>
+          <a:p>
+            <a:pPr lvl="1"/>
+            <a:r>
+              <a:rPr lang="en-US" altLang="ja-JP" sz="2100" dirty="0"/>
+              <a:t>7) </a:t>
+            </a:r>
+            <a:r>
+              <a:rPr lang="ja-JP" altLang="en-US" sz="2100" dirty="0"/>
+              <a:t>質問側は、解答を確認し、評価する。</a:t>
+            </a:r>
+            <a:endParaRPr lang="en-US" altLang="ja-JP" sz="2100" dirty="0"/>
+          </a:p>
+          <a:p>
+            <a:pPr lvl="1"/>
+            <a:r>
+              <a:rPr lang="en-US" altLang="ja-JP" sz="2100" dirty="0"/>
+              <a:t>8)</a:t>
+            </a:r>
+            <a:r>
+              <a:rPr lang="ja-JP" altLang="en-US" sz="2100" dirty="0"/>
+              <a:t> 解答側は質問リスト、評価値、コインが変化していることを確認。</a:t>
+            </a:r>
+            <a:endParaRPr lang="en-US" altLang="ja-JP" sz="2100" dirty="0"/>
+          </a:p>
+        </p:txBody>
+      </p:sp>
+      <p:sp>
+        <p:nvSpPr>
+          <p:cNvPr id="4" name="フッター プレースホルダー 3">
+            <a:extLst>
+              <a:ext uri="{FF2B5EF4-FFF2-40B4-BE49-F238E27FC236}">
+                <a16:creationId xmlns:a16="http://schemas.microsoft.com/office/drawing/2014/main" id="{9342A4D2-EE37-4B25-92A2-CC92EAB934B9}"/>
+              </a:ext>
+            </a:extLst>
+          </p:cNvPr>
+          <p:cNvSpPr>
+            <a:spLocks noGrp="1"/>
+          </p:cNvSpPr>
+          <p:nvPr>
+            <p:ph type="ftr" sz="quarter" idx="11"/>
+          </p:nvPr>
+        </p:nvSpPr>
+        <p:spPr/>
+        <p:txBody>
+          <a:bodyPr/>
+          <a:lstStyle/>
+          <a:p>
+            <a:r>
+              <a:rPr kumimoji="1" lang="ja-JP" altLang="en-US"/>
+              <a:t>プロジェクトラーニング成果報告会 </a:t>
+            </a:r>
+            <a:r>
+              <a:rPr kumimoji="1" lang="en-US" altLang="ja-JP"/>
+              <a:t>2018/07/24(Tue)</a:t>
+            </a:r>
+            <a:endParaRPr kumimoji="1" lang="ja-JP" altLang="en-US"/>
+          </a:p>
+        </p:txBody>
+      </p:sp>
+      <p:sp>
+        <p:nvSpPr>
+          <p:cNvPr id="5" name="スライド番号プレースホルダー 4">
+            <a:extLst>
+              <a:ext uri="{FF2B5EF4-FFF2-40B4-BE49-F238E27FC236}">
+                <a16:creationId xmlns:a16="http://schemas.microsoft.com/office/drawing/2014/main" id="{DD581BCC-0C45-44B8-8BD9-6788A5DE17D6}"/>
+              </a:ext>
+            </a:extLst>
+          </p:cNvPr>
+          <p:cNvSpPr>
+            <a:spLocks noGrp="1"/>
+          </p:cNvSpPr>
+          <p:nvPr>
+            <p:ph type="sldNum" sz="quarter" idx="12"/>
+          </p:nvPr>
+        </p:nvSpPr>
+        <p:spPr/>
+        <p:txBody>
+          <a:bodyPr/>
+          <a:lstStyle/>
+          <a:p>
+            <a:fld id="{E457AAFA-38F4-4DED-BA16-33C71D378A14}" type="slidenum">
+              <a:rPr kumimoji="1" lang="ja-JP" altLang="en-US" smtClean="0"/>
+              <a:t>12</a:t>
             </a:fld>
             <a:endParaRPr kumimoji="1" lang="ja-JP" altLang="en-US"/>
           </a:p>
@@ -6110,127 +7486,33 @@
           <a:p>
             <a:r>
               <a:rPr kumimoji="1" lang="ja-JP" altLang="en-US" dirty="0"/>
-              <a:t>我々</a:t>
-            </a:r>
-            <a:r>
-              <a:rPr kumimoji="1" lang="en-US" altLang="ja-JP" dirty="0"/>
-              <a:t>A</a:t>
-            </a:r>
+              <a:t>概要</a:t>
+            </a:r>
+            <a:endParaRPr kumimoji="1" lang="en-US" altLang="ja-JP" dirty="0"/>
+          </a:p>
+          <a:p>
+            <a:r>
+              <a:rPr lang="ja-JP" altLang="en-US" dirty="0"/>
+              <a:t>標準機能の説明</a:t>
+            </a:r>
+            <a:endParaRPr lang="en-US" altLang="ja-JP" dirty="0"/>
+          </a:p>
+          <a:p>
             <a:r>
               <a:rPr kumimoji="1" lang="ja-JP" altLang="en-US" dirty="0"/>
-              <a:t>グループ</a:t>
-            </a:r>
+              <a:t>特長機能の説明</a:t>
+            </a:r>
+            <a:endParaRPr kumimoji="1" lang="en-US" altLang="ja-JP" dirty="0"/>
+          </a:p>
+          <a:p>
             <a:r>
               <a:rPr lang="ja-JP" altLang="en-US" dirty="0"/>
-              <a:t>は</a:t>
-            </a:r>
-            <a:r>
-              <a:rPr kumimoji="1" lang="en-US" altLang="ja-JP" dirty="0"/>
-              <a:t>android</a:t>
-            </a:r>
-            <a:r>
-              <a:rPr kumimoji="1" lang="ja-JP" altLang="en-US" dirty="0"/>
-              <a:t>端末用</a:t>
-            </a:r>
-            <a:r>
-              <a:rPr kumimoji="1" lang="en-US" altLang="ja-JP" dirty="0"/>
-              <a:t>SNS</a:t>
-            </a:r>
-            <a:r>
-              <a:rPr kumimoji="1" lang="ja-JP" altLang="en-US" dirty="0"/>
-              <a:t>型教え合いアプリ</a:t>
-            </a:r>
-            <a:r>
-              <a:rPr lang="en-US" altLang="ja-JP" dirty="0"/>
-              <a:t>『</a:t>
-            </a:r>
-            <a:r>
-              <a:rPr lang="en-US" altLang="ja-JP" dirty="0">
-                <a:solidFill>
-                  <a:srgbClr val="FF0000"/>
-                </a:solidFill>
-              </a:rPr>
-              <a:t>SKET</a:t>
-            </a:r>
-            <a:r>
-              <a:rPr lang="en-US" altLang="ja-JP" dirty="0"/>
-              <a:t>』</a:t>
-            </a:r>
-            <a:r>
-              <a:rPr kumimoji="1" lang="ja-JP" altLang="en-US" dirty="0"/>
-              <a:t>を開発しました。</a:t>
+              <a:t>デモプレイ</a:t>
             </a:r>
             <a:endParaRPr kumimoji="1" lang="en-US" altLang="ja-JP" dirty="0"/>
           </a:p>
           <a:p>
-            <a:endParaRPr kumimoji="1" lang="en-US" altLang="ja-JP" dirty="0"/>
-          </a:p>
-          <a:p>
-            <a:r>
-              <a:rPr lang="en-US" altLang="ja-JP" dirty="0"/>
-              <a:t>SKET</a:t>
-            </a:r>
-            <a:r>
-              <a:rPr lang="ja-JP" altLang="en-US" dirty="0"/>
-              <a:t>➡</a:t>
-            </a:r>
-            <a:r>
-              <a:rPr lang="en-US" altLang="ja-JP" dirty="0">
-                <a:solidFill>
-                  <a:srgbClr val="FF0000"/>
-                </a:solidFill>
-              </a:rPr>
-              <a:t>S</a:t>
-            </a:r>
-            <a:r>
-              <a:rPr lang="en-US" altLang="ja-JP" dirty="0"/>
-              <a:t>tudent as</a:t>
-            </a:r>
-            <a:r>
-              <a:rPr lang="en-US" altLang="ja-JP" dirty="0">
-                <a:solidFill>
-                  <a:srgbClr val="FF0000"/>
-                </a:solidFill>
-              </a:rPr>
-              <a:t>k</a:t>
-            </a:r>
-            <a:r>
-              <a:rPr lang="en-US" altLang="ja-JP" dirty="0"/>
-              <a:t> &amp; </a:t>
-            </a:r>
-            <a:r>
-              <a:rPr lang="en-US" altLang="ja-JP" dirty="0">
-                <a:solidFill>
-                  <a:srgbClr val="FF0000"/>
-                </a:solidFill>
-              </a:rPr>
-              <a:t>e</a:t>
-            </a:r>
-            <a:r>
-              <a:rPr lang="en-US" altLang="ja-JP" dirty="0"/>
-              <a:t>valuate </a:t>
-            </a:r>
-            <a:r>
-              <a:rPr lang="en-US" altLang="ja-JP" dirty="0">
-                <a:solidFill>
-                  <a:srgbClr val="FF0000"/>
-                </a:solidFill>
-              </a:rPr>
-              <a:t>T</a:t>
-            </a:r>
-            <a:r>
-              <a:rPr lang="en-US" altLang="ja-JP" dirty="0"/>
-              <a:t>eacher</a:t>
-            </a:r>
-          </a:p>
-          <a:p>
-            <a:endParaRPr kumimoji="1" lang="en-US" altLang="ja-JP" dirty="0"/>
-          </a:p>
-          <a:p>
-            <a:r>
-              <a:rPr kumimoji="1" lang="ja-JP" altLang="en-US" dirty="0"/>
-              <a:t>本システムはネットワークを介して、複数のユーザが勉強について教え合うことのできるシステムです。</a:t>
-            </a:r>
+            <a:endParaRPr kumimoji="1" lang="ja-JP" altLang="en-US" dirty="0"/>
           </a:p>
         </p:txBody>
       </p:sp>
@@ -6299,7 +7581,7 @@
     </p:spTree>
     <p:extLst>
       <p:ext uri="{BB962C8B-B14F-4D97-AF65-F5344CB8AC3E}">
-        <p14:creationId xmlns:p14="http://schemas.microsoft.com/office/powerpoint/2010/main" val="2552122337"/>
+        <p14:creationId xmlns:p14="http://schemas.microsoft.com/office/powerpoint/2010/main" val="2389502972"/>
       </p:ext>
     </p:extLst>
   </p:cSld>
@@ -6328,10 +7610,10 @@
       </p:grpSpPr>
       <p:sp>
         <p:nvSpPr>
-          <p:cNvPr id="2" name="タイトル 1">
-            <a:extLst>
-              <a:ext uri="{FF2B5EF4-FFF2-40B4-BE49-F238E27FC236}">
-                <a16:creationId xmlns:a16="http://schemas.microsoft.com/office/drawing/2014/main" id="{D4670EB2-7F61-431A-9C41-40DBF1905E2D}"/>
+          <p:cNvPr id="6" name="タイトル 5">
+            <a:extLst>
+              <a:ext uri="{FF2B5EF4-FFF2-40B4-BE49-F238E27FC236}">
+                <a16:creationId xmlns:a16="http://schemas.microsoft.com/office/drawing/2014/main" id="{05D0CDDD-364C-4891-8880-5DEB5C6E5433}"/>
               </a:ext>
             </a:extLst>
           </p:cNvPr>
@@ -6349,116 +7631,156 @@
           <a:p>
             <a:pPr algn="ctr"/>
             <a:r>
+              <a:rPr kumimoji="1" lang="ja-JP" altLang="en-US" dirty="0"/>
+              <a:t>概要</a:t>
+            </a:r>
+          </a:p>
+        </p:txBody>
+      </p:sp>
+      <p:sp>
+        <p:nvSpPr>
+          <p:cNvPr id="7" name="コンテンツ プレースホルダー 6">
+            <a:extLst>
+              <a:ext uri="{FF2B5EF4-FFF2-40B4-BE49-F238E27FC236}">
+                <a16:creationId xmlns:a16="http://schemas.microsoft.com/office/drawing/2014/main" id="{5BF79EB8-7F3E-499E-B07D-45CB3F0872AC}"/>
+              </a:ext>
+            </a:extLst>
+          </p:cNvPr>
+          <p:cNvSpPr>
+            <a:spLocks noGrp="1"/>
+          </p:cNvSpPr>
+          <p:nvPr>
+            <p:ph idx="1"/>
+          </p:nvPr>
+        </p:nvSpPr>
+        <p:spPr/>
+        <p:txBody>
+          <a:bodyPr/>
+          <a:lstStyle/>
+          <a:p>
+            <a:r>
+              <a:rPr kumimoji="1" lang="ja-JP" altLang="en-US" dirty="0"/>
+              <a:t>我々</a:t>
+            </a:r>
+            <a:r>
+              <a:rPr kumimoji="1" lang="en-US" altLang="ja-JP" dirty="0"/>
+              <a:t>A</a:t>
+            </a:r>
+            <a:r>
+              <a:rPr kumimoji="1" lang="ja-JP" altLang="en-US" dirty="0"/>
+              <a:t>グループ</a:t>
+            </a:r>
+            <a:r>
               <a:rPr lang="ja-JP" altLang="en-US" dirty="0"/>
-              <a:t>標準機能</a:t>
-            </a:r>
-            <a:endParaRPr kumimoji="1" lang="ja-JP" altLang="en-US" dirty="0"/>
-          </a:p>
-        </p:txBody>
-      </p:sp>
-      <p:sp>
-        <p:nvSpPr>
-          <p:cNvPr id="3" name="コンテンツ プレースホルダー 2">
-            <a:extLst>
-              <a:ext uri="{FF2B5EF4-FFF2-40B4-BE49-F238E27FC236}">
-                <a16:creationId xmlns:a16="http://schemas.microsoft.com/office/drawing/2014/main" id="{BB285881-6577-4F9E-952C-0808FF9E0B36}"/>
-              </a:ext>
-            </a:extLst>
-          </p:cNvPr>
-          <p:cNvSpPr>
-            <a:spLocks noGrp="1"/>
-          </p:cNvSpPr>
-          <p:nvPr>
-            <p:ph idx="1"/>
-          </p:nvPr>
-        </p:nvSpPr>
-        <p:spPr/>
-        <p:txBody>
-          <a:bodyPr/>
-          <a:lstStyle/>
-          <a:p>
-            <a:r>
-              <a:rPr kumimoji="1" lang="ja-JP" altLang="en-US" dirty="0">
+              <a:t>は</a:t>
+            </a:r>
+            <a:r>
+              <a:rPr kumimoji="1" lang="en-US" altLang="ja-JP" dirty="0"/>
+              <a:t>android</a:t>
+            </a:r>
+            <a:r>
+              <a:rPr kumimoji="1" lang="ja-JP" altLang="en-US" dirty="0"/>
+              <a:t>端末用</a:t>
+            </a:r>
+            <a:r>
+              <a:rPr kumimoji="1" lang="en-US" altLang="ja-JP" dirty="0"/>
+              <a:t>SNS</a:t>
+            </a:r>
+            <a:r>
+              <a:rPr kumimoji="1" lang="ja-JP" altLang="en-US" dirty="0"/>
+              <a:t>型教え合いアプリ</a:t>
+            </a:r>
+            <a:r>
+              <a:rPr lang="en-US" altLang="ja-JP" dirty="0"/>
+              <a:t>『</a:t>
+            </a:r>
+            <a:r>
+              <a:rPr lang="en-US" altLang="ja-JP" dirty="0">
                 <a:solidFill>
                   <a:srgbClr val="FF0000"/>
                 </a:solidFill>
               </a:rPr>
-              <a:t>質問</a:t>
-            </a:r>
-            <a:endParaRPr lang="en-US" altLang="ja-JP" dirty="0">
-              <a:solidFill>
-                <a:srgbClr val="FF0000"/>
-              </a:solidFill>
-            </a:endParaRPr>
-          </a:p>
-          <a:p>
-            <a:pPr lvl="1"/>
-            <a:r>
-              <a:rPr lang="ja-JP" altLang="en-US" sz="2500" dirty="0"/>
-              <a:t>質問者は、サーバに質問内容をアップロードできる。</a:t>
-            </a:r>
-            <a:endParaRPr lang="en-US" altLang="ja-JP" sz="2500" dirty="0"/>
-          </a:p>
-          <a:p>
-            <a:pPr lvl="1"/>
-            <a:r>
-              <a:rPr kumimoji="1" lang="ja-JP" altLang="en-US" sz="2500" dirty="0"/>
-              <a:t>内容には、文字と画像を使用することが可能。</a:t>
-            </a:r>
-            <a:endParaRPr kumimoji="1" lang="en-US" altLang="ja-JP" sz="2500" dirty="0"/>
-          </a:p>
-          <a:p>
-            <a:pPr marL="0" indent="0">
-              <a:buNone/>
-            </a:pPr>
+              <a:t>SKET</a:t>
+            </a:r>
+            <a:r>
+              <a:rPr lang="en-US" altLang="ja-JP" dirty="0"/>
+              <a:t>』</a:t>
+            </a:r>
+            <a:r>
+              <a:rPr kumimoji="1" lang="ja-JP" altLang="en-US" dirty="0"/>
+              <a:t>を開発しました。</a:t>
+            </a:r>
             <a:endParaRPr kumimoji="1" lang="en-US" altLang="ja-JP" dirty="0"/>
           </a:p>
           <a:p>
-            <a:r>
-              <a:rPr lang="ja-JP" altLang="en-US" dirty="0">
+            <a:endParaRPr kumimoji="1" lang="en-US" altLang="ja-JP" dirty="0"/>
+          </a:p>
+          <a:p>
+            <a:r>
+              <a:rPr lang="en-US" altLang="ja-JP" dirty="0"/>
+              <a:t>SKET</a:t>
+            </a:r>
+            <a:r>
+              <a:rPr lang="ja-JP" altLang="en-US" dirty="0"/>
+              <a:t>➡</a:t>
+            </a:r>
+            <a:r>
+              <a:rPr lang="en-US" altLang="ja-JP" dirty="0">
                 <a:solidFill>
                   <a:srgbClr val="FF0000"/>
                 </a:solidFill>
               </a:rPr>
-              <a:t>解答</a:t>
-            </a:r>
-            <a:endParaRPr lang="en-US" altLang="ja-JP" dirty="0">
-              <a:solidFill>
-                <a:srgbClr val="FF0000"/>
-              </a:solidFill>
-            </a:endParaRPr>
-          </a:p>
-          <a:p>
-            <a:pPr lvl="1"/>
-            <a:r>
-              <a:rPr lang="ja-JP" altLang="en-US" sz="2500" dirty="0"/>
-              <a:t>解答者は、サーバに解答内容をアップロードできる。</a:t>
-            </a:r>
-            <a:endParaRPr lang="en-US" altLang="ja-JP" sz="2500" dirty="0"/>
-          </a:p>
-          <a:p>
-            <a:pPr lvl="1"/>
-            <a:r>
-              <a:rPr lang="ja-JP" altLang="en-US" sz="2500" dirty="0"/>
-              <a:t>内容には、文字を使用することが可能。</a:t>
-            </a:r>
-            <a:endParaRPr lang="en-US" altLang="ja-JP" sz="2500" dirty="0"/>
-          </a:p>
-          <a:p>
-            <a:pPr lvl="1"/>
+              <a:t>S</a:t>
+            </a:r>
+            <a:r>
+              <a:rPr lang="en-US" altLang="ja-JP" dirty="0"/>
+              <a:t>tudent as</a:t>
+            </a:r>
+            <a:r>
+              <a:rPr lang="en-US" altLang="ja-JP" dirty="0">
+                <a:solidFill>
+                  <a:srgbClr val="FF0000"/>
+                </a:solidFill>
+              </a:rPr>
+              <a:t>k</a:t>
+            </a:r>
+            <a:r>
+              <a:rPr lang="en-US" altLang="ja-JP" dirty="0"/>
+              <a:t> &amp; </a:t>
+            </a:r>
+            <a:r>
+              <a:rPr lang="en-US" altLang="ja-JP" dirty="0">
+                <a:solidFill>
+                  <a:srgbClr val="FF0000"/>
+                </a:solidFill>
+              </a:rPr>
+              <a:t>e</a:t>
+            </a:r>
+            <a:r>
+              <a:rPr lang="en-US" altLang="ja-JP" dirty="0"/>
+              <a:t>valuate </a:t>
+            </a:r>
+            <a:r>
+              <a:rPr lang="en-US" altLang="ja-JP" dirty="0">
+                <a:solidFill>
+                  <a:srgbClr val="FF0000"/>
+                </a:solidFill>
+              </a:rPr>
+              <a:t>T</a:t>
+            </a:r>
+            <a:r>
+              <a:rPr lang="en-US" altLang="ja-JP" dirty="0"/>
+              <a:t>eacher</a:t>
+            </a:r>
+          </a:p>
+          <a:p>
             <a:endParaRPr kumimoji="1" lang="en-US" altLang="ja-JP" dirty="0"/>
           </a:p>
           <a:p>
-            <a:endParaRPr lang="en-US" altLang="ja-JP" sz="2500" dirty="0"/>
-          </a:p>
-          <a:p>
-            <a:endParaRPr kumimoji="1" lang="en-US" altLang="ja-JP" sz="2500" dirty="0"/>
-          </a:p>
-          <a:p>
-            <a:endParaRPr lang="en-US" altLang="ja-JP" sz="2500" dirty="0"/>
-          </a:p>
-          <a:p>
-            <a:endParaRPr kumimoji="1" lang="ja-JP" altLang="en-US" sz="2500" dirty="0"/>
+            <a:r>
+              <a:rPr kumimoji="1" lang="ja-JP" altLang="en-US" dirty="0"/>
+              <a:t>本システムはネットワークを介して、複数のユーザが勉強について教え合うことのできるシステムです。</a:t>
+            </a:r>
           </a:p>
         </p:txBody>
       </p:sp>
@@ -6467,7 +7789,7 @@
           <p:cNvPr id="4" name="フッター プレースホルダー 3">
             <a:extLst>
               <a:ext uri="{FF2B5EF4-FFF2-40B4-BE49-F238E27FC236}">
-                <a16:creationId xmlns:a16="http://schemas.microsoft.com/office/drawing/2014/main" id="{9342A4D2-EE37-4B25-92A2-CC92EAB934B9}"/>
+                <a16:creationId xmlns:a16="http://schemas.microsoft.com/office/drawing/2014/main" id="{177C307C-102E-4D4C-BD1F-80E26F753C60}"/>
               </a:ext>
             </a:extLst>
           </p:cNvPr>
@@ -6500,7 +7822,7 @@
           <p:cNvPr id="5" name="スライド番号プレースホルダー 4">
             <a:extLst>
               <a:ext uri="{FF2B5EF4-FFF2-40B4-BE49-F238E27FC236}">
-                <a16:creationId xmlns:a16="http://schemas.microsoft.com/office/drawing/2014/main" id="{DD581BCC-0C45-44B8-8BD9-6788A5DE17D6}"/>
+                <a16:creationId xmlns:a16="http://schemas.microsoft.com/office/drawing/2014/main" id="{B667BF56-1E3F-4568-8655-C9B08617E9EC}"/>
               </a:ext>
             </a:extLst>
           </p:cNvPr>
@@ -6527,7 +7849,7 @@
     </p:spTree>
     <p:extLst>
       <p:ext uri="{BB962C8B-B14F-4D97-AF65-F5344CB8AC3E}">
-        <p14:creationId xmlns:p14="http://schemas.microsoft.com/office/powerpoint/2010/main" val="3346484152"/>
+        <p14:creationId xmlns:p14="http://schemas.microsoft.com/office/powerpoint/2010/main" val="2552122337"/>
       </p:ext>
     </p:extLst>
   </p:cSld>
@@ -6559,7 +7881,7 @@
           <p:cNvPr id="2" name="タイトル 1">
             <a:extLst>
               <a:ext uri="{FF2B5EF4-FFF2-40B4-BE49-F238E27FC236}">
-                <a16:creationId xmlns:a16="http://schemas.microsoft.com/office/drawing/2014/main" id="{83DE956D-6A88-4BBA-B393-18FB16A09F18}"/>
+                <a16:creationId xmlns:a16="http://schemas.microsoft.com/office/drawing/2014/main" id="{D4670EB2-7F61-431A-9C41-40DBF1905E2D}"/>
               </a:ext>
             </a:extLst>
           </p:cNvPr>
@@ -6570,24 +7892,15 @@
             <p:ph type="title"/>
           </p:nvPr>
         </p:nvSpPr>
-        <p:spPr>
-          <a:xfrm>
-            <a:off x="457200" y="284413"/>
-            <a:ext cx="8229600" cy="576263"/>
-          </a:xfrm>
-        </p:spPr>
+        <p:spPr/>
         <p:txBody>
           <a:bodyPr/>
           <a:lstStyle/>
           <a:p>
             <a:pPr algn="ctr"/>
             <a:r>
-              <a:rPr kumimoji="1" lang="ja-JP" altLang="en-US" dirty="0"/>
-              <a:t>本システムの</a:t>
-            </a:r>
-            <a:r>
               <a:rPr lang="ja-JP" altLang="en-US" dirty="0"/>
-              <a:t>特長</a:t>
+              <a:t>標準機能</a:t>
             </a:r>
             <a:endParaRPr kumimoji="1" lang="ja-JP" altLang="en-US" dirty="0"/>
           </a:p>
@@ -6598,7 +7911,7 @@
           <p:cNvPr id="3" name="コンテンツ プレースホルダー 2">
             <a:extLst>
               <a:ext uri="{FF2B5EF4-FFF2-40B4-BE49-F238E27FC236}">
-                <a16:creationId xmlns:a16="http://schemas.microsoft.com/office/drawing/2014/main" id="{2CE2D4B0-D353-411B-A79E-9DD3A5542A6B}"/>
+                <a16:creationId xmlns:a16="http://schemas.microsoft.com/office/drawing/2014/main" id="{BB285881-6577-4F9E-952C-0808FF9E0B36}"/>
               </a:ext>
             </a:extLst>
           </p:cNvPr>
@@ -6615,79 +7928,46 @@
           <a:lstStyle/>
           <a:p>
             <a:r>
-              <a:rPr lang="ja-JP" altLang="en-US" dirty="0">
+              <a:rPr kumimoji="1" lang="ja-JP" altLang="en-US" dirty="0">
                 <a:solidFill>
                   <a:srgbClr val="FF0000"/>
                 </a:solidFill>
               </a:rPr>
-              <a:t>課金</a:t>
-            </a:r>
-            <a:r>
-              <a:rPr lang="ja-JP" altLang="en-US" dirty="0"/>
-              <a:t>機能</a:t>
-            </a:r>
-            <a:endParaRPr lang="en-US" altLang="ja-JP" dirty="0"/>
-          </a:p>
-          <a:p>
-            <a:r>
-              <a:rPr lang="ja-JP" altLang="en-US" dirty="0">
-                <a:solidFill>
-                  <a:srgbClr val="FF0000"/>
-                </a:solidFill>
-              </a:rPr>
-              <a:t>報酬支払</a:t>
-            </a:r>
-            <a:r>
-              <a:rPr lang="ja-JP" altLang="en-US" dirty="0"/>
-              <a:t>機能</a:t>
+              <a:t>質問</a:t>
+            </a:r>
+            <a:endParaRPr lang="en-US" altLang="ja-JP" dirty="0">
+              <a:solidFill>
+                <a:srgbClr val="FF0000"/>
+              </a:solidFill>
+            </a:endParaRPr>
+          </a:p>
+          <a:p>
+            <a:pPr lvl="1"/>
+            <a:r>
+              <a:rPr lang="ja-JP" altLang="en-US" sz="2500" dirty="0"/>
+              <a:t>質問者は、サーバに質問内容をアップロードできる。</a:t>
+            </a:r>
+            <a:endParaRPr lang="en-US" altLang="ja-JP" sz="2500" dirty="0"/>
+          </a:p>
+          <a:p>
+            <a:pPr lvl="1"/>
+            <a:r>
+              <a:rPr kumimoji="1" lang="ja-JP" altLang="en-US" sz="2500" dirty="0"/>
+              <a:t>内容には、文字と画像を使用することが可能。</a:t>
             </a:r>
             <a:endParaRPr kumimoji="1" lang="en-US" altLang="ja-JP" dirty="0"/>
           </a:p>
           <a:p>
-            <a:r>
-              <a:rPr lang="ja-JP" altLang="en-US" dirty="0">
-                <a:solidFill>
-                  <a:srgbClr val="FF0000"/>
-                </a:solidFill>
-              </a:rPr>
-              <a:t>マッチング</a:t>
-            </a:r>
-            <a:r>
-              <a:rPr lang="ja-JP" altLang="en-US" dirty="0"/>
-              <a:t>機能</a:t>
-            </a:r>
-            <a:endParaRPr kumimoji="1" lang="en-US" altLang="ja-JP" dirty="0"/>
-          </a:p>
-          <a:p>
-            <a:r>
-              <a:rPr lang="ja-JP" altLang="en-US" dirty="0">
-                <a:solidFill>
-                  <a:srgbClr val="FF0000"/>
-                </a:solidFill>
-              </a:rPr>
-              <a:t>グループ</a:t>
-            </a:r>
-            <a:r>
-              <a:rPr lang="ja-JP" altLang="en-US" dirty="0"/>
-              <a:t>機能</a:t>
-            </a:r>
-            <a:endParaRPr kumimoji="1" lang="en-US" altLang="ja-JP" dirty="0"/>
-          </a:p>
-          <a:p>
-            <a:endParaRPr lang="en-US" altLang="ja-JP" dirty="0"/>
-          </a:p>
-          <a:p>
-            <a:pPr marL="0" indent="0">
-              <a:buNone/>
-            </a:pPr>
-            <a:r>
-              <a:rPr kumimoji="1" lang="ja-JP" altLang="en-US" dirty="0"/>
-              <a:t>次スライド以降で、それぞれの機能について説明します。</a:t>
-            </a:r>
-            <a:endParaRPr kumimoji="1" lang="en-US" altLang="ja-JP" dirty="0"/>
-          </a:p>
-          <a:p>
-            <a:endParaRPr lang="en-US" altLang="ja-JP" dirty="0"/>
+            <a:endParaRPr lang="en-US" altLang="ja-JP" sz="2500" dirty="0"/>
+          </a:p>
+          <a:p>
+            <a:endParaRPr kumimoji="1" lang="en-US" altLang="ja-JP" sz="2500" dirty="0"/>
+          </a:p>
+          <a:p>
+            <a:endParaRPr lang="en-US" altLang="ja-JP" sz="2500" dirty="0"/>
+          </a:p>
+          <a:p>
+            <a:endParaRPr kumimoji="1" lang="ja-JP" altLang="en-US" sz="2500" dirty="0"/>
           </a:p>
         </p:txBody>
       </p:sp>
@@ -6696,7 +7976,7 @@
           <p:cNvPr id="4" name="フッター プレースホルダー 3">
             <a:extLst>
               <a:ext uri="{FF2B5EF4-FFF2-40B4-BE49-F238E27FC236}">
-                <a16:creationId xmlns:a16="http://schemas.microsoft.com/office/drawing/2014/main" id="{835863B6-58E9-4904-9D42-203143BDEFC0}"/>
+                <a16:creationId xmlns:a16="http://schemas.microsoft.com/office/drawing/2014/main" id="{9342A4D2-EE37-4B25-92A2-CC92EAB934B9}"/>
               </a:ext>
             </a:extLst>
           </p:cNvPr>
@@ -6729,7 +8009,7 @@
           <p:cNvPr id="5" name="スライド番号プレースホルダー 4">
             <a:extLst>
               <a:ext uri="{FF2B5EF4-FFF2-40B4-BE49-F238E27FC236}">
-                <a16:creationId xmlns:a16="http://schemas.microsoft.com/office/drawing/2014/main" id="{8E4CE19E-3844-459D-BD7C-4182085C86FF}"/>
+                <a16:creationId xmlns:a16="http://schemas.microsoft.com/office/drawing/2014/main" id="{DD581BCC-0C45-44B8-8BD9-6788A5DE17D6}"/>
               </a:ext>
             </a:extLst>
           </p:cNvPr>
@@ -6753,10 +8033,113 @@
           </a:p>
         </p:txBody>
       </p:sp>
+      <p:grpSp>
+        <p:nvGrpSpPr>
+          <p:cNvPr id="11" name="グループ化 10">
+            <a:extLst>
+              <a:ext uri="{FF2B5EF4-FFF2-40B4-BE49-F238E27FC236}">
+                <a16:creationId xmlns:a16="http://schemas.microsoft.com/office/drawing/2014/main" id="{8F0C48B7-9353-409E-A1AD-9726A2173352}"/>
+              </a:ext>
+            </a:extLst>
+          </p:cNvPr>
+          <p:cNvGrpSpPr/>
+          <p:nvPr/>
+        </p:nvGrpSpPr>
+        <p:grpSpPr>
+          <a:xfrm>
+            <a:off x="654589" y="3095625"/>
+            <a:ext cx="2469611" cy="3502025"/>
+            <a:chOff x="820344" y="2950604"/>
+            <a:chExt cx="2036189" cy="3228648"/>
+          </a:xfrm>
+        </p:grpSpPr>
+        <p:sp>
+          <p:nvSpPr>
+            <p:cNvPr id="10" name="正方形/長方形 9">
+              <a:extLst>
+                <a:ext uri="{FF2B5EF4-FFF2-40B4-BE49-F238E27FC236}">
+                  <a16:creationId xmlns:a16="http://schemas.microsoft.com/office/drawing/2014/main" id="{2174B600-16B2-43AD-A217-3872FF0ADF7A}"/>
+                </a:ext>
+              </a:extLst>
+            </p:cNvPr>
+            <p:cNvSpPr/>
+            <p:nvPr/>
+          </p:nvSpPr>
+          <p:spPr>
+            <a:xfrm>
+              <a:off x="820344" y="2950604"/>
+              <a:ext cx="2036189" cy="3228648"/>
+            </a:xfrm>
+            <a:prstGeom prst="rect">
+              <a:avLst/>
+            </a:prstGeom>
+          </p:spPr>
+          <p:style>
+            <a:lnRef idx="2">
+              <a:schemeClr val="dk1">
+                <a:shade val="50000"/>
+              </a:schemeClr>
+            </a:lnRef>
+            <a:fillRef idx="1">
+              <a:schemeClr val="dk1"/>
+            </a:fillRef>
+            <a:effectRef idx="0">
+              <a:schemeClr val="dk1"/>
+            </a:effectRef>
+            <a:fontRef idx="minor">
+              <a:schemeClr val="lt1"/>
+            </a:fontRef>
+          </p:style>
+          <p:txBody>
+            <a:bodyPr rtlCol="0" anchor="ctr"/>
+            <a:lstStyle/>
+            <a:p>
+              <a:pPr algn="ctr"/>
+              <a:endParaRPr kumimoji="1" lang="ja-JP" altLang="en-US"/>
+            </a:p>
+          </p:txBody>
+        </p:sp>
+        <p:pic>
+          <p:nvPicPr>
+            <p:cNvPr id="7" name="図 6" descr="スクリーンショット が含まれている画像&#10;&#10;非常に高い精度で生成された説明">
+              <a:extLst>
+                <a:ext uri="{FF2B5EF4-FFF2-40B4-BE49-F238E27FC236}">
+                  <a16:creationId xmlns:a16="http://schemas.microsoft.com/office/drawing/2014/main" id="{A3479092-7C60-43E0-B3CB-753500A0C2FD}"/>
+                </a:ext>
+              </a:extLst>
+            </p:cNvPr>
+            <p:cNvPicPr>
+              <a:picLocks noChangeAspect="1"/>
+            </p:cNvPicPr>
+            <p:nvPr/>
+          </p:nvPicPr>
+          <p:blipFill>
+            <a:blip r:embed="rId3">
+              <a:extLst>
+                <a:ext uri="{28A0092B-C50C-407E-A947-70E740481C1C}">
+                  <a14:useLocalDpi xmlns:a14="http://schemas.microsoft.com/office/drawing/2010/main" val="0"/>
+                </a:ext>
+              </a:extLst>
+            </a:blip>
+            <a:stretch>
+              <a:fillRect/>
+            </a:stretch>
+          </p:blipFill>
+          <p:spPr>
+            <a:xfrm>
+              <a:off x="925069" y="3021298"/>
+              <a:ext cx="1826737" cy="3087260"/>
+            </a:xfrm>
+            <a:prstGeom prst="rect">
+              <a:avLst/>
+            </a:prstGeom>
+          </p:spPr>
+        </p:pic>
+      </p:grpSp>
     </p:spTree>
     <p:extLst>
       <p:ext uri="{BB962C8B-B14F-4D97-AF65-F5344CB8AC3E}">
-        <p14:creationId xmlns:p14="http://schemas.microsoft.com/office/powerpoint/2010/main" val="3501802322"/>
+        <p14:creationId xmlns:p14="http://schemas.microsoft.com/office/powerpoint/2010/main" val="3346484152"/>
       </p:ext>
     </p:extLst>
   </p:cSld>
@@ -6806,9 +8189,10 @@
           <a:p>
             <a:pPr algn="ctr"/>
             <a:r>
-              <a:rPr kumimoji="1" lang="ja-JP" altLang="en-US" dirty="0"/>
-              <a:t>課金機能</a:t>
-            </a:r>
+              <a:rPr lang="ja-JP" altLang="en-US" dirty="0"/>
+              <a:t>標準機能</a:t>
+            </a:r>
+            <a:endParaRPr kumimoji="1" lang="ja-JP" altLang="en-US" dirty="0"/>
           </a:p>
         </p:txBody>
       </p:sp>
@@ -6834,63 +8218,46 @@
           <a:lstStyle/>
           <a:p>
             <a:r>
-              <a:rPr kumimoji="1" lang="ja-JP" altLang="en-US" sz="2500" dirty="0"/>
-              <a:t>質問者は、質問する際に</a:t>
-            </a:r>
-            <a:r>
-              <a:rPr kumimoji="1" lang="ja-JP" altLang="en-US" sz="2500" dirty="0">
+              <a:rPr lang="ja-JP" altLang="en-US" dirty="0">
                 <a:solidFill>
                   <a:srgbClr val="FF0000"/>
                 </a:solidFill>
               </a:rPr>
-              <a:t>コイン</a:t>
-            </a:r>
-            <a:r>
-              <a:rPr kumimoji="1" lang="ja-JP" altLang="en-US" sz="2500" dirty="0"/>
-              <a:t>が必要となるので、アプリ内でコインを購入する。</a:t>
-            </a:r>
+              <a:t>解答</a:t>
+            </a:r>
+            <a:endParaRPr lang="en-US" altLang="ja-JP" dirty="0">
+              <a:solidFill>
+                <a:srgbClr val="FF0000"/>
+              </a:solidFill>
+            </a:endParaRPr>
+          </a:p>
+          <a:p>
+            <a:pPr lvl="1"/>
+            <a:r>
+              <a:rPr lang="ja-JP" altLang="en-US" sz="2500" dirty="0"/>
+              <a:t>解答者は、サーバに解答内容をアップロードできる。</a:t>
+            </a:r>
+            <a:endParaRPr lang="en-US" altLang="ja-JP" sz="2500" dirty="0"/>
+          </a:p>
+          <a:p>
+            <a:pPr lvl="1"/>
+            <a:r>
+              <a:rPr lang="ja-JP" altLang="en-US" sz="2500" dirty="0"/>
+              <a:t>内容には、文字を使用することが可能。</a:t>
+            </a:r>
+            <a:endParaRPr lang="en-US" altLang="ja-JP" sz="2500" dirty="0"/>
+          </a:p>
+          <a:p>
+            <a:pPr lvl="1"/>
+            <a:endParaRPr kumimoji="1" lang="en-US" altLang="ja-JP" dirty="0"/>
+          </a:p>
+          <a:p>
+            <a:endParaRPr lang="en-US" altLang="ja-JP" sz="2500" dirty="0"/>
+          </a:p>
+          <a:p>
             <a:endParaRPr kumimoji="1" lang="en-US" altLang="ja-JP" sz="2500" dirty="0"/>
           </a:p>
           <a:p>
-            <a:endParaRPr lang="en-US" altLang="ja-JP" sz="2500" dirty="0"/>
-          </a:p>
-          <a:p>
-            <a:r>
-              <a:rPr lang="ja-JP" altLang="en-US" sz="2500" dirty="0"/>
-              <a:t>今回は、アプリケーション内で独自に作った</a:t>
-            </a:r>
-            <a:r>
-              <a:rPr lang="ja-JP" altLang="en-US" sz="2500" dirty="0">
-                <a:solidFill>
-                  <a:srgbClr val="FF0000"/>
-                </a:solidFill>
-              </a:rPr>
-              <a:t>コイン</a:t>
-            </a:r>
-            <a:r>
-              <a:rPr lang="ja-JP" altLang="en-US" sz="2500" dirty="0"/>
-              <a:t>を用いて実装しているが、将来的に、</a:t>
-            </a:r>
-            <a:r>
-              <a:rPr lang="en-US" altLang="ja-JP" sz="2500" dirty="0"/>
-              <a:t>API</a:t>
-            </a:r>
-            <a:r>
-              <a:rPr lang="ja-JP" altLang="en-US" sz="2500" dirty="0"/>
-              <a:t>などを用いて、</a:t>
-            </a:r>
-            <a:r>
-              <a:rPr lang="ja-JP" altLang="en-US" sz="2500" dirty="0">
-                <a:solidFill>
-                  <a:srgbClr val="FF0000"/>
-                </a:solidFill>
-              </a:rPr>
-              <a:t>仮想通貨</a:t>
-            </a:r>
-            <a:r>
-              <a:rPr lang="ja-JP" altLang="en-US" sz="2500" dirty="0"/>
-              <a:t>で実装することも可能であると考えられる。</a:t>
-            </a:r>
             <a:endParaRPr lang="en-US" altLang="ja-JP" sz="2500" dirty="0"/>
           </a:p>
           <a:p>
@@ -6960,10 +8327,113 @@
           </a:p>
         </p:txBody>
       </p:sp>
+      <p:grpSp>
+        <p:nvGrpSpPr>
+          <p:cNvPr id="11" name="グループ化 10">
+            <a:extLst>
+              <a:ext uri="{FF2B5EF4-FFF2-40B4-BE49-F238E27FC236}">
+                <a16:creationId xmlns:a16="http://schemas.microsoft.com/office/drawing/2014/main" id="{8B37F0CA-D240-4266-8D0E-35E594C606C9}"/>
+              </a:ext>
+            </a:extLst>
+          </p:cNvPr>
+          <p:cNvGrpSpPr/>
+          <p:nvPr/>
+        </p:nvGrpSpPr>
+        <p:grpSpPr>
+          <a:xfrm>
+            <a:off x="654589" y="3095625"/>
+            <a:ext cx="2469611" cy="3502025"/>
+            <a:chOff x="3337194" y="2743200"/>
+            <a:chExt cx="2469611" cy="3502025"/>
+          </a:xfrm>
+        </p:grpSpPr>
+        <p:sp>
+          <p:nvSpPr>
+            <p:cNvPr id="7" name="正方形/長方形 6">
+              <a:extLst>
+                <a:ext uri="{FF2B5EF4-FFF2-40B4-BE49-F238E27FC236}">
+                  <a16:creationId xmlns:a16="http://schemas.microsoft.com/office/drawing/2014/main" id="{64BA9DF4-8417-4A2C-BC84-D98A2F4FF729}"/>
+                </a:ext>
+              </a:extLst>
+            </p:cNvPr>
+            <p:cNvSpPr/>
+            <p:nvPr/>
+          </p:nvSpPr>
+          <p:spPr>
+            <a:xfrm>
+              <a:off x="3337194" y="2743200"/>
+              <a:ext cx="2469611" cy="3502025"/>
+            </a:xfrm>
+            <a:prstGeom prst="rect">
+              <a:avLst/>
+            </a:prstGeom>
+          </p:spPr>
+          <p:style>
+            <a:lnRef idx="2">
+              <a:schemeClr val="dk1">
+                <a:shade val="50000"/>
+              </a:schemeClr>
+            </a:lnRef>
+            <a:fillRef idx="1">
+              <a:schemeClr val="dk1"/>
+            </a:fillRef>
+            <a:effectRef idx="0">
+              <a:schemeClr val="dk1"/>
+            </a:effectRef>
+            <a:fontRef idx="minor">
+              <a:schemeClr val="lt1"/>
+            </a:fontRef>
+          </p:style>
+          <p:txBody>
+            <a:bodyPr rtlCol="0" anchor="ctr"/>
+            <a:lstStyle/>
+            <a:p>
+              <a:pPr algn="ctr"/>
+              <a:endParaRPr kumimoji="1" lang="ja-JP" altLang="en-US"/>
+            </a:p>
+          </p:txBody>
+        </p:sp>
+        <p:pic>
+          <p:nvPicPr>
+            <p:cNvPr id="10" name="図 9" descr="スクリーンショット が含まれている画像&#10;&#10;非常に高い精度で生成された説明">
+              <a:extLst>
+                <a:ext uri="{FF2B5EF4-FFF2-40B4-BE49-F238E27FC236}">
+                  <a16:creationId xmlns:a16="http://schemas.microsoft.com/office/drawing/2014/main" id="{7A0258A6-F32B-40DD-B6F9-EEAA24EB3FA2}"/>
+                </a:ext>
+              </a:extLst>
+            </p:cNvPr>
+            <p:cNvPicPr>
+              <a:picLocks noChangeAspect="1"/>
+            </p:cNvPicPr>
+            <p:nvPr/>
+          </p:nvPicPr>
+          <p:blipFill>
+            <a:blip r:embed="rId3">
+              <a:extLst>
+                <a:ext uri="{28A0092B-C50C-407E-A947-70E740481C1C}">
+                  <a14:useLocalDpi xmlns:a14="http://schemas.microsoft.com/office/drawing/2010/main" val="0"/>
+                </a:ext>
+              </a:extLst>
+            </a:blip>
+            <a:stretch>
+              <a:fillRect/>
+            </a:stretch>
+          </p:blipFill>
+          <p:spPr>
+            <a:xfrm>
+              <a:off x="3464211" y="2820081"/>
+              <a:ext cx="2215575" cy="3348261"/>
+            </a:xfrm>
+            <a:prstGeom prst="rect">
+              <a:avLst/>
+            </a:prstGeom>
+          </p:spPr>
+        </p:pic>
+      </p:grpSp>
     </p:spTree>
     <p:extLst>
       <p:ext uri="{BB962C8B-B14F-4D97-AF65-F5344CB8AC3E}">
-        <p14:creationId xmlns:p14="http://schemas.microsoft.com/office/powerpoint/2010/main" val="3855742791"/>
+        <p14:creationId xmlns:p14="http://schemas.microsoft.com/office/powerpoint/2010/main" val="293252505"/>
       </p:ext>
     </p:extLst>
   </p:cSld>
@@ -6995,7 +8465,7 @@
           <p:cNvPr id="2" name="タイトル 1">
             <a:extLst>
               <a:ext uri="{FF2B5EF4-FFF2-40B4-BE49-F238E27FC236}">
-                <a16:creationId xmlns:a16="http://schemas.microsoft.com/office/drawing/2014/main" id="{D4670EB2-7F61-431A-9C41-40DBF1905E2D}"/>
+                <a16:creationId xmlns:a16="http://schemas.microsoft.com/office/drawing/2014/main" id="{83DE956D-6A88-4BBA-B393-18FB16A09F18}"/>
               </a:ext>
             </a:extLst>
           </p:cNvPr>
@@ -7006,15 +8476,24 @@
             <p:ph type="title"/>
           </p:nvPr>
         </p:nvSpPr>
-        <p:spPr/>
+        <p:spPr>
+          <a:xfrm>
+            <a:off x="457200" y="284413"/>
+            <a:ext cx="8229600" cy="576263"/>
+          </a:xfrm>
+        </p:spPr>
         <p:txBody>
           <a:bodyPr/>
           <a:lstStyle/>
           <a:p>
             <a:pPr algn="ctr"/>
             <a:r>
+              <a:rPr kumimoji="1" lang="ja-JP" altLang="en-US" dirty="0"/>
+              <a:t>本システムの</a:t>
+            </a:r>
+            <a:r>
               <a:rPr lang="ja-JP" altLang="en-US" dirty="0"/>
-              <a:t>報酬支払機能</a:t>
+              <a:t>特長</a:t>
             </a:r>
             <a:endParaRPr kumimoji="1" lang="ja-JP" altLang="en-US" dirty="0"/>
           </a:p>
@@ -7025,7 +8504,7 @@
           <p:cNvPr id="3" name="コンテンツ プレースホルダー 2">
             <a:extLst>
               <a:ext uri="{FF2B5EF4-FFF2-40B4-BE49-F238E27FC236}">
-                <a16:creationId xmlns:a16="http://schemas.microsoft.com/office/drawing/2014/main" id="{BB285881-6577-4F9E-952C-0808FF9E0B36}"/>
+                <a16:creationId xmlns:a16="http://schemas.microsoft.com/office/drawing/2014/main" id="{2CE2D4B0-D353-411B-A79E-9DD3A5542A6B}"/>
               </a:ext>
             </a:extLst>
           </p:cNvPr>
@@ -7042,58 +8521,79 @@
           <a:lstStyle/>
           <a:p>
             <a:r>
-              <a:rPr kumimoji="1" lang="ja-JP" altLang="en-US" sz="2500" dirty="0"/>
-              <a:t>解答者に報酬を支払うことにより、解答者のモチベーションを高めることができる。</a:t>
-            </a:r>
-            <a:endParaRPr kumimoji="1" lang="en-US" altLang="ja-JP" sz="2500" dirty="0"/>
-          </a:p>
-          <a:p>
-            <a:endParaRPr lang="en-US" altLang="ja-JP" sz="2500" dirty="0"/>
-          </a:p>
-          <a:p>
-            <a:r>
-              <a:rPr kumimoji="1" lang="ja-JP" altLang="en-US" sz="2500" dirty="0"/>
-              <a:t>また、</a:t>
-            </a:r>
-            <a:r>
-              <a:rPr kumimoji="1" lang="ja-JP" altLang="en-US" sz="2500" dirty="0">
+              <a:rPr lang="ja-JP" altLang="en-US" dirty="0">
                 <a:solidFill>
                   <a:srgbClr val="FF0000"/>
                 </a:solidFill>
               </a:rPr>
-              <a:t>評価値</a:t>
-            </a:r>
-            <a:r>
-              <a:rPr lang="ja-JP" altLang="en-US" sz="2500" dirty="0"/>
-              <a:t>（質問者は、解答者からの</a:t>
-            </a:r>
-            <a:r>
-              <a:rPr lang="ja-JP" altLang="en-US" sz="2500"/>
-              <a:t>解答を</a:t>
-            </a:r>
-            <a:r>
-              <a:rPr lang="ja-JP" altLang="en-US" sz="2500">
+              <a:t>課金</a:t>
+            </a:r>
+            <a:r>
+              <a:rPr lang="ja-JP" altLang="en-US" dirty="0"/>
+              <a:t>機能</a:t>
+            </a:r>
+            <a:endParaRPr lang="en-US" altLang="ja-JP" dirty="0"/>
+          </a:p>
+          <a:p>
+            <a:r>
+              <a:rPr lang="ja-JP" altLang="en-US" dirty="0">
                 <a:solidFill>
                   <a:srgbClr val="FF0000"/>
                 </a:solidFill>
               </a:rPr>
-              <a:t>評価</a:t>
-            </a:r>
-            <a:r>
-              <a:rPr lang="ja-JP" altLang="en-US" sz="2500" dirty="0"/>
-              <a:t>することができる。 ）</a:t>
-            </a:r>
-            <a:r>
-              <a:rPr kumimoji="1" lang="ja-JP" altLang="en-US" sz="2500" dirty="0"/>
-              <a:t>が、一定以上でない場合は報酬が支払われないようにすることで、解答の質も高めることができる。</a:t>
-            </a:r>
-            <a:endParaRPr kumimoji="1" lang="en-US" altLang="ja-JP" sz="2500" dirty="0"/>
-          </a:p>
-          <a:p>
-            <a:endParaRPr lang="en-US" altLang="ja-JP" sz="2500" dirty="0"/>
-          </a:p>
-          <a:p>
-            <a:endParaRPr kumimoji="1" lang="ja-JP" altLang="en-US" sz="2500" dirty="0"/>
+              <a:t>報酬支払</a:t>
+            </a:r>
+            <a:r>
+              <a:rPr lang="ja-JP" altLang="en-US" dirty="0"/>
+              <a:t>機能</a:t>
+            </a:r>
+            <a:endParaRPr kumimoji="1" lang="en-US" altLang="ja-JP" dirty="0"/>
+          </a:p>
+          <a:p>
+            <a:r>
+              <a:rPr lang="ja-JP" altLang="en-US" dirty="0">
+                <a:solidFill>
+                  <a:srgbClr val="FF0000"/>
+                </a:solidFill>
+              </a:rPr>
+              <a:t>マッチング</a:t>
+            </a:r>
+            <a:r>
+              <a:rPr lang="ja-JP" altLang="en-US" dirty="0"/>
+              <a:t>機能</a:t>
+            </a:r>
+            <a:endParaRPr kumimoji="1" lang="en-US" altLang="ja-JP" dirty="0"/>
+          </a:p>
+          <a:p>
+            <a:r>
+              <a:rPr lang="ja-JP" altLang="en-US" dirty="0">
+                <a:solidFill>
+                  <a:srgbClr val="FF0000"/>
+                </a:solidFill>
+              </a:rPr>
+              <a:t>グループ</a:t>
+            </a:r>
+            <a:r>
+              <a:rPr lang="ja-JP" altLang="en-US" dirty="0"/>
+              <a:t>機能</a:t>
+            </a:r>
+            <a:endParaRPr kumimoji="1" lang="en-US" altLang="ja-JP" dirty="0"/>
+          </a:p>
+          <a:p>
+            <a:endParaRPr lang="en-US" altLang="ja-JP" dirty="0"/>
+          </a:p>
+          <a:p>
+            <a:pPr marL="0" indent="0">
+              <a:buNone/>
+            </a:pPr>
+            <a:r>
+              <a:rPr kumimoji="1" lang="ja-JP" altLang="en-US" dirty="0"/>
+              <a:t>次スライド以降で、それぞれの機能について説明します。</a:t>
+            </a:r>
+            <a:endParaRPr kumimoji="1" lang="en-US" altLang="ja-JP" dirty="0"/>
+          </a:p>
+          <a:p>
+            <a:endParaRPr lang="en-US" altLang="ja-JP" dirty="0"/>
           </a:p>
         </p:txBody>
       </p:sp>
@@ -7102,7 +8602,7 @@
           <p:cNvPr id="4" name="フッター プレースホルダー 3">
             <a:extLst>
               <a:ext uri="{FF2B5EF4-FFF2-40B4-BE49-F238E27FC236}">
-                <a16:creationId xmlns:a16="http://schemas.microsoft.com/office/drawing/2014/main" id="{9342A4D2-EE37-4B25-92A2-CC92EAB934B9}"/>
+                <a16:creationId xmlns:a16="http://schemas.microsoft.com/office/drawing/2014/main" id="{835863B6-58E9-4904-9D42-203143BDEFC0}"/>
               </a:ext>
             </a:extLst>
           </p:cNvPr>
@@ -7119,14 +8619,14 @@
           <a:lstStyle/>
           <a:p>
             <a:r>
-              <a:rPr kumimoji="1" lang="ja-JP" altLang="en-US"/>
+              <a:rPr kumimoji="1" lang="ja-JP" altLang="en-US" dirty="0"/>
               <a:t>プロジェクトラーニング成果報告会 </a:t>
             </a:r>
             <a:r>
-              <a:rPr kumimoji="1" lang="en-US" altLang="ja-JP"/>
+              <a:rPr kumimoji="1" lang="en-US" altLang="ja-JP" dirty="0"/>
               <a:t>2018/07/24(Tue)</a:t>
             </a:r>
-            <a:endParaRPr kumimoji="1" lang="ja-JP" altLang="en-US"/>
+            <a:endParaRPr kumimoji="1" lang="ja-JP" altLang="en-US" dirty="0"/>
           </a:p>
         </p:txBody>
       </p:sp>
@@ -7135,7 +8635,7 @@
           <p:cNvPr id="5" name="スライド番号プレースホルダー 4">
             <a:extLst>
               <a:ext uri="{FF2B5EF4-FFF2-40B4-BE49-F238E27FC236}">
-                <a16:creationId xmlns:a16="http://schemas.microsoft.com/office/drawing/2014/main" id="{DD581BCC-0C45-44B8-8BD9-6788A5DE17D6}"/>
+                <a16:creationId xmlns:a16="http://schemas.microsoft.com/office/drawing/2014/main" id="{8E4CE19E-3844-459D-BD7C-4182085C86FF}"/>
               </a:ext>
             </a:extLst>
           </p:cNvPr>
@@ -7162,7 +8662,7 @@
     </p:spTree>
     <p:extLst>
       <p:ext uri="{BB962C8B-B14F-4D97-AF65-F5344CB8AC3E}">
-        <p14:creationId xmlns:p14="http://schemas.microsoft.com/office/powerpoint/2010/main" val="1277387382"/>
+        <p14:creationId xmlns:p14="http://schemas.microsoft.com/office/powerpoint/2010/main" val="3501802322"/>
       </p:ext>
     </p:extLst>
   </p:cSld>
@@ -7212,10 +8712,9 @@
           <a:p>
             <a:pPr algn="ctr"/>
             <a:r>
-              <a:rPr lang="ja-JP" altLang="en-US" dirty="0"/>
-              <a:t>マッチング機能</a:t>
-            </a:r>
-            <a:endParaRPr kumimoji="1" lang="ja-JP" altLang="en-US" dirty="0"/>
+              <a:rPr kumimoji="1" lang="ja-JP" altLang="en-US" dirty="0"/>
+              <a:t>課金機能</a:t>
+            </a:r>
           </a:p>
         </p:txBody>
       </p:sp>
@@ -7242,7 +8741,7 @@
           <a:p>
             <a:r>
               <a:rPr kumimoji="1" lang="ja-JP" altLang="en-US" sz="2500" dirty="0"/>
-              <a:t>質問者は、複数の解答者からの</a:t>
+              <a:t>質問者は、質問する際に</a:t>
             </a:r>
             <a:r>
               <a:rPr kumimoji="1" lang="ja-JP" altLang="en-US" sz="2500" dirty="0">
@@ -7250,33 +8749,21 @@
                   <a:srgbClr val="FF0000"/>
                 </a:solidFill>
               </a:rPr>
-              <a:t>立候補</a:t>
+              <a:t>コイン</a:t>
             </a:r>
             <a:r>
               <a:rPr kumimoji="1" lang="ja-JP" altLang="en-US" sz="2500" dirty="0"/>
-              <a:t>を受け取り、その中から解答してほしい者に</a:t>
-            </a:r>
-            <a:r>
-              <a:rPr kumimoji="1" lang="ja-JP" altLang="en-US" sz="2500" dirty="0">
-                <a:solidFill>
-                  <a:srgbClr val="FF0000"/>
-                </a:solidFill>
-              </a:rPr>
-              <a:t>オファー</a:t>
-            </a:r>
-            <a:r>
-              <a:rPr kumimoji="1" lang="ja-JP" altLang="en-US" sz="2500" dirty="0"/>
-              <a:t>を送ることができるようにする。</a:t>
-            </a:r>
+              <a:t>が必要となるので、アプリ内でコインを購入する。</a:t>
+            </a:r>
+            <a:endParaRPr kumimoji="1" lang="en-US" altLang="ja-JP" sz="2500" dirty="0"/>
+          </a:p>
+          <a:p>
             <a:endParaRPr lang="en-US" altLang="ja-JP" sz="2500" dirty="0"/>
           </a:p>
           <a:p>
-            <a:endParaRPr kumimoji="1" lang="en-US" altLang="ja-JP" sz="2500" dirty="0"/>
-          </a:p>
-          <a:p>
             <a:r>
               <a:rPr lang="ja-JP" altLang="en-US" sz="2500" dirty="0"/>
-              <a:t>この際、質問者は、解答者の</a:t>
+              <a:t>今回は、アプリケーション内で独自に作った</a:t>
             </a:r>
             <a:r>
               <a:rPr lang="ja-JP" altLang="en-US" sz="2500" dirty="0">
@@ -7284,13 +8771,36 @@
                   <a:srgbClr val="FF0000"/>
                 </a:solidFill>
               </a:rPr>
-              <a:t>情報</a:t>
+              <a:t>コイン</a:t>
             </a:r>
             <a:r>
               <a:rPr lang="ja-JP" altLang="en-US" sz="2500" dirty="0"/>
-              <a:t>（解答数、評価値など）を見ることができる。</a:t>
-            </a:r>
-            <a:endParaRPr kumimoji="1" lang="en-US" altLang="ja-JP" sz="2500" dirty="0"/>
+              <a:t>を用いて実装しているが、将来的に、</a:t>
+            </a:r>
+            <a:r>
+              <a:rPr lang="en-US" altLang="ja-JP" sz="2500" dirty="0"/>
+              <a:t>API</a:t>
+            </a:r>
+            <a:r>
+              <a:rPr lang="ja-JP" altLang="en-US" sz="2500" dirty="0"/>
+              <a:t>などを用いて、</a:t>
+            </a:r>
+            <a:r>
+              <a:rPr lang="ja-JP" altLang="en-US" sz="2500" dirty="0">
+                <a:solidFill>
+                  <a:srgbClr val="FF0000"/>
+                </a:solidFill>
+              </a:rPr>
+              <a:t>仮想通貨</a:t>
+            </a:r>
+            <a:r>
+              <a:rPr lang="ja-JP" altLang="en-US" sz="2500" dirty="0"/>
+              <a:t>で実装することも可能であると考えられる。</a:t>
+            </a:r>
+            <a:endParaRPr lang="en-US" altLang="ja-JP" sz="2500" dirty="0"/>
+          </a:p>
+          <a:p>
+            <a:endParaRPr kumimoji="1" lang="ja-JP" altLang="en-US" sz="2500" dirty="0"/>
           </a:p>
         </p:txBody>
       </p:sp>
@@ -7359,7 +8869,7 @@
     </p:spTree>
     <p:extLst>
       <p:ext uri="{BB962C8B-B14F-4D97-AF65-F5344CB8AC3E}">
-        <p14:creationId xmlns:p14="http://schemas.microsoft.com/office/powerpoint/2010/main" val="1965178502"/>
+        <p14:creationId xmlns:p14="http://schemas.microsoft.com/office/powerpoint/2010/main" val="3855742791"/>
       </p:ext>
     </p:extLst>
   </p:cSld>
@@ -7410,7 +8920,7 @@
             <a:pPr algn="ctr"/>
             <a:r>
               <a:rPr lang="ja-JP" altLang="en-US" dirty="0"/>
-              <a:t>グループ機能</a:t>
+              <a:t>報酬支払機能</a:t>
             </a:r>
             <a:endParaRPr kumimoji="1" lang="ja-JP" altLang="en-US" dirty="0"/>
           </a:p>
@@ -7438,99 +8948,58 @@
           <a:lstStyle/>
           <a:p>
             <a:r>
-              <a:rPr lang="ja-JP" altLang="en-US" sz="2500" dirty="0"/>
-              <a:t>利用者は、新たに</a:t>
-            </a:r>
-            <a:r>
-              <a:rPr lang="ja-JP" altLang="en-US" sz="2500" dirty="0">
-                <a:solidFill>
-                  <a:srgbClr val="FF0000"/>
-                </a:solidFill>
-              </a:rPr>
-              <a:t>グループ</a:t>
-            </a:r>
-            <a:r>
-              <a:rPr lang="ja-JP" altLang="en-US" sz="2500" dirty="0"/>
-              <a:t>を作成したり、既存の</a:t>
-            </a:r>
-            <a:r>
-              <a:rPr lang="ja-JP" altLang="en-US" sz="2500" dirty="0">
-                <a:solidFill>
-                  <a:srgbClr val="FF0000"/>
-                </a:solidFill>
-              </a:rPr>
-              <a:t>グループ</a:t>
-            </a:r>
-            <a:r>
-              <a:rPr lang="ja-JP" altLang="en-US" sz="2500" dirty="0"/>
-              <a:t>に参加したりすることができる。</a:t>
-            </a:r>
+              <a:rPr kumimoji="1" lang="ja-JP" altLang="en-US" sz="2500" dirty="0"/>
+              <a:t>解答者に報酬を支払うことにより、解答者のモチベーションを高めることができる。</a:t>
+            </a:r>
+            <a:endParaRPr kumimoji="1" lang="en-US" altLang="ja-JP" sz="2500" dirty="0"/>
+          </a:p>
+          <a:p>
             <a:endParaRPr lang="en-US" altLang="ja-JP" sz="2500" dirty="0"/>
           </a:p>
           <a:p>
-            <a:endParaRPr kumimoji="1" lang="en-US" altLang="ja-JP" sz="2500" dirty="0"/>
-          </a:p>
-          <a:p>
+            <a:r>
+              <a:rPr kumimoji="1" lang="ja-JP" altLang="en-US" sz="2500" dirty="0"/>
+              <a:t>また、</a:t>
+            </a:r>
             <a:r>
               <a:rPr kumimoji="1" lang="ja-JP" altLang="en-US" sz="2500" dirty="0">
                 <a:solidFill>
                   <a:srgbClr val="FF0000"/>
                 </a:solidFill>
               </a:rPr>
-              <a:t>グループ</a:t>
-            </a:r>
-            <a:r>
-              <a:rPr kumimoji="1" lang="ja-JP" altLang="en-US" sz="2500" dirty="0"/>
-              <a:t>は、</a:t>
-            </a:r>
-            <a:r>
-              <a:rPr kumimoji="1" lang="ja-JP" altLang="en-US" sz="2500" dirty="0">
+              <a:t>評価値</a:t>
+            </a:r>
+            <a:r>
+              <a:rPr lang="ja-JP" altLang="en-US" sz="2500" dirty="0"/>
+              <a:t>（質問者は、解答者からの</a:t>
+            </a:r>
+            <a:r>
+              <a:rPr lang="ja-JP" altLang="en-US" sz="2500"/>
+              <a:t>解答を</a:t>
+            </a:r>
+            <a:r>
+              <a:rPr lang="ja-JP" altLang="en-US" sz="2500">
                 <a:solidFill>
                   <a:srgbClr val="FF0000"/>
                 </a:solidFill>
               </a:rPr>
-              <a:t>専攻</a:t>
+              <a:t>評価</a:t>
+            </a:r>
+            <a:r>
+              <a:rPr lang="ja-JP" altLang="en-US" sz="2500" dirty="0"/>
+              <a:t>することができる。 ）</a:t>
             </a:r>
             <a:r>
               <a:rPr kumimoji="1" lang="ja-JP" altLang="en-US" sz="2500" dirty="0"/>
-              <a:t>、</a:t>
-            </a:r>
-            <a:r>
-              <a:rPr kumimoji="1" lang="ja-JP" altLang="en-US" sz="2500" dirty="0">
-                <a:solidFill>
-                  <a:srgbClr val="FF0000"/>
-                </a:solidFill>
-              </a:rPr>
-              <a:t>科目</a:t>
-            </a:r>
-            <a:r>
-              <a:rPr kumimoji="1" lang="ja-JP" altLang="en-US" sz="2500" dirty="0"/>
-              <a:t>、</a:t>
-            </a:r>
-            <a:r>
-              <a:rPr kumimoji="1" lang="ja-JP" altLang="en-US" sz="2500" dirty="0">
-                <a:solidFill>
-                  <a:srgbClr val="FF0000"/>
-                </a:solidFill>
-              </a:rPr>
-              <a:t>趣味</a:t>
-            </a:r>
-            <a:r>
-              <a:rPr kumimoji="1" lang="ja-JP" altLang="en-US" sz="2500" dirty="0"/>
-              <a:t>など様々なものを想定しており、</a:t>
-            </a:r>
-            <a:r>
-              <a:rPr kumimoji="1" lang="ja-JP" altLang="en-US" sz="2500" dirty="0">
-                <a:solidFill>
-                  <a:srgbClr val="FF0000"/>
-                </a:solidFill>
-              </a:rPr>
-              <a:t>グループ</a:t>
-            </a:r>
-            <a:r>
-              <a:rPr kumimoji="1" lang="ja-JP" altLang="en-US" sz="2500" dirty="0"/>
-              <a:t>内のみに向けた質問が可能。</a:t>
-            </a:r>
+              <a:t>が、一定以上でない場合は報酬が支払われないようにすることで、解答の質も高めることができる。</a:t>
+            </a:r>
+            <a:endParaRPr kumimoji="1" lang="en-US" altLang="ja-JP" sz="2500" dirty="0"/>
+          </a:p>
+          <a:p>
+            <a:endParaRPr lang="en-US" altLang="ja-JP" sz="2500" dirty="0"/>
+          </a:p>
+          <a:p>
+            <a:endParaRPr kumimoji="1" lang="ja-JP" altLang="en-US" sz="2500" dirty="0"/>
           </a:p>
         </p:txBody>
       </p:sp>
@@ -7599,7 +9068,7 @@
     </p:spTree>
     <p:extLst>
       <p:ext uri="{BB962C8B-B14F-4D97-AF65-F5344CB8AC3E}">
-        <p14:creationId xmlns:p14="http://schemas.microsoft.com/office/powerpoint/2010/main" val="2758003830"/>
+        <p14:creationId xmlns:p14="http://schemas.microsoft.com/office/powerpoint/2010/main" val="1277387382"/>
       </p:ext>
     </p:extLst>
   </p:cSld>

--- a/pl-2(完成版).pptx
+++ b/pl-2(完成版).pptx
@@ -238,7 +238,7 @@
           <a:p>
             <a:fld id="{953C440D-1B2B-4B77-972E-08EB37B0D810}" type="datetimeFigureOut">
               <a:rPr kumimoji="1" lang="ja-JP" altLang="en-US" smtClean="0"/>
-              <a:t>2018/7/23</a:t>
+              <a:t>2018/7/24</a:t>
             </a:fld>
             <a:endParaRPr kumimoji="1" lang="ja-JP" altLang="en-US"/>
           </a:p>
@@ -1700,7 +1700,7 @@
           <a:p>
             <a:fld id="{E9D12F2A-E855-47CF-B8EA-F3B716774AD1}" type="datetime1">
               <a:rPr kumimoji="1" lang="ja-JP" altLang="en-US" smtClean="0"/>
-              <a:t>2018/7/23</a:t>
+              <a:t>2018/7/24</a:t>
             </a:fld>
             <a:endParaRPr kumimoji="1" lang="ja-JP" altLang="en-US"/>
           </a:p>
@@ -2434,7 +2434,7 @@
           <a:p>
             <a:fld id="{F6398A99-9200-4651-AF3F-65FCE9256191}" type="datetime1">
               <a:rPr kumimoji="1" lang="ja-JP" altLang="en-US" smtClean="0"/>
-              <a:t>2018/7/23</a:t>
+              <a:t>2018/7/24</a:t>
             </a:fld>
             <a:endParaRPr kumimoji="1" lang="ja-JP" altLang="en-US"/>
           </a:p>
@@ -2694,7 +2694,7 @@
           <a:p>
             <a:fld id="{6C5517B9-6F2E-4CE6-9140-97DF1A77F57F}" type="datetime1">
               <a:rPr kumimoji="1" lang="ja-JP" altLang="en-US" smtClean="0"/>
-              <a:t>2018/7/23</a:t>
+              <a:t>2018/7/24</a:t>
             </a:fld>
             <a:endParaRPr kumimoji="1" lang="ja-JP" altLang="en-US"/>
           </a:p>
@@ -2944,7 +2944,7 @@
           <a:p>
             <a:fld id="{6BC8FDA4-2736-455F-B065-D41AB752F279}" type="datetime1">
               <a:rPr kumimoji="1" lang="ja-JP" altLang="en-US" smtClean="0"/>
-              <a:t>2018/7/23</a:t>
+              <a:t>2018/7/24</a:t>
             </a:fld>
             <a:endParaRPr kumimoji="1" lang="ja-JP" altLang="en-US"/>
           </a:p>
@@ -3185,7 +3185,7 @@
           <a:p>
             <a:fld id="{A27506D1-AD5E-4CFA-ADE9-EB551990D7F8}" type="datetime1">
               <a:rPr kumimoji="1" lang="ja-JP" altLang="en-US" smtClean="0"/>
-              <a:t>2018/7/23</a:t>
+              <a:t>2018/7/24</a:t>
             </a:fld>
             <a:endParaRPr kumimoji="1" lang="ja-JP" altLang="en-US"/>
           </a:p>
@@ -3534,7 +3534,7 @@
           <a:p>
             <a:fld id="{361D269E-F9DC-4CEA-8FC0-6EA43C762BCE}" type="datetime1">
               <a:rPr kumimoji="1" lang="ja-JP" altLang="en-US" smtClean="0"/>
-              <a:t>2018/7/23</a:t>
+              <a:t>2018/7/24</a:t>
             </a:fld>
             <a:endParaRPr kumimoji="1" lang="ja-JP" altLang="en-US"/>
           </a:p>
@@ -4030,7 +4030,7 @@
           <a:p>
             <a:fld id="{F7648FC9-036A-4531-B125-D82EEA19127E}" type="datetime1">
               <a:rPr kumimoji="1" lang="ja-JP" altLang="en-US" smtClean="0"/>
-              <a:t>2018/7/23</a:t>
+              <a:t>2018/7/24</a:t>
             </a:fld>
             <a:endParaRPr kumimoji="1" lang="ja-JP" altLang="en-US"/>
           </a:p>
@@ -4191,7 +4191,7 @@
           <a:p>
             <a:fld id="{78EBE3C0-9140-48A0-BC78-79C379B7D3FD}" type="datetime1">
               <a:rPr kumimoji="1" lang="ja-JP" altLang="en-US" smtClean="0"/>
-              <a:t>2018/7/23</a:t>
+              <a:t>2018/7/24</a:t>
             </a:fld>
             <a:endParaRPr kumimoji="1" lang="ja-JP" altLang="en-US"/>
           </a:p>
@@ -4324,7 +4324,7 @@
           <a:p>
             <a:fld id="{475FF00C-F710-4CCE-B1AF-BB957C47B518}" type="datetime1">
               <a:rPr kumimoji="1" lang="ja-JP" altLang="en-US" smtClean="0"/>
-              <a:t>2018/7/23</a:t>
+              <a:t>2018/7/24</a:t>
             </a:fld>
             <a:endParaRPr kumimoji="1" lang="ja-JP" altLang="en-US"/>
           </a:p>
@@ -4687,7 +4687,7 @@
           <a:p>
             <a:fld id="{E049F298-1AF4-4B8E-8909-99AF6D4D62B4}" type="datetime1">
               <a:rPr kumimoji="1" lang="ja-JP" altLang="en-US" smtClean="0"/>
-              <a:t>2018/7/23</a:t>
+              <a:t>2018/7/24</a:t>
             </a:fld>
             <a:endParaRPr kumimoji="1" lang="ja-JP" altLang="en-US"/>
           </a:p>
@@ -4998,7 +4998,7 @@
           <a:p>
             <a:fld id="{57878C8A-2C8C-41FA-9055-998AA8B5A6ED}" type="datetime1">
               <a:rPr kumimoji="1" lang="ja-JP" altLang="en-US" smtClean="0"/>
-              <a:t>2018/7/23</a:t>
+              <a:t>2018/7/24</a:t>
             </a:fld>
             <a:endParaRPr kumimoji="1" lang="ja-JP" altLang="en-US"/>
           </a:p>
@@ -5318,7 +5318,7 @@
           <a:p>
             <a:fld id="{8EE44A5C-1968-4F89-9E45-612ECB65B894}" type="datetime1">
               <a:rPr kumimoji="1" lang="ja-JP" altLang="en-US" smtClean="0"/>
-              <a:t>2018/7/23</a:t>
+              <a:t>2018/7/24</a:t>
             </a:fld>
             <a:endParaRPr kumimoji="1" lang="ja-JP" altLang="en-US"/>
           </a:p>
@@ -6288,7 +6288,7 @@
         </p:nvSpPr>
         <p:spPr>
           <a:xfrm>
-            <a:off x="3638549" y="4333875"/>
+            <a:off x="3738562" y="4706121"/>
             <a:ext cx="4562475" cy="830997"/>
           </a:xfrm>
           <a:prstGeom prst="rect">
@@ -6313,13 +6313,19 @@
               <a:rPr kumimoji="1" lang="en-US" altLang="ja-JP" sz="3000" dirty="0">
                 <a:latin typeface="Arial Black" panose="020B0A04020102020204" pitchFamily="34" charset="0"/>
               </a:rPr>
-              <a:t>A </a:t>
+              <a:t>A</a:t>
             </a:r>
             <a:r>
               <a:rPr kumimoji="1" lang="ja-JP" altLang="en-US" sz="3000" dirty="0">
                 <a:latin typeface="Arial Black" panose="020B0A04020102020204" pitchFamily="34" charset="0"/>
               </a:rPr>
-              <a:t>マネージャ</a:t>
+              <a:t>　</a:t>
+            </a:r>
+            <a:r>
+              <a:rPr lang="ja-JP" altLang="en-US" sz="3000" dirty="0">
+                <a:latin typeface="Arial Black" panose="020B0A04020102020204" pitchFamily="34" charset="0"/>
+              </a:rPr>
+              <a:t>梅本 春輝</a:t>
             </a:r>
             <a:endParaRPr kumimoji="1" lang="en-US" altLang="ja-JP" sz="3000" dirty="0">
               <a:latin typeface="Arial Black" panose="020B0A04020102020204" pitchFamily="34" charset="0"/>

--- a/pl-2(完成版).pptx
+++ b/pl-2(完成版).pptx
@@ -8789,7 +8789,7 @@
             </a:r>
             <a:r>
               <a:rPr lang="ja-JP" altLang="en-US" sz="2500" dirty="0"/>
-              <a:t>などを用いて、</a:t>
+              <a:t>などを用いて、クレジット決済、</a:t>
             </a:r>
             <a:r>
               <a:rPr lang="ja-JP" altLang="en-US" sz="2500" dirty="0">
@@ -8797,11 +8797,11 @@
                   <a:srgbClr val="FF0000"/>
                 </a:solidFill>
               </a:rPr>
-              <a:t>仮想通貨</a:t>
+              <a:t>仮想通貨決済</a:t>
             </a:r>
             <a:r>
               <a:rPr lang="ja-JP" altLang="en-US" sz="2500" dirty="0"/>
-              <a:t>で実装することも可能であると考えられる。</a:t>
+              <a:t>を実装することも可能であると考えられる。</a:t>
             </a:r>
             <a:endParaRPr lang="en-US" altLang="ja-JP" sz="2500" dirty="0"/>
           </a:p>

--- a/pl-2(完成版).pptx
+++ b/pl-2(完成版).pptx
@@ -1001,14 +1001,7 @@
           <a:bodyPr/>
           <a:lstStyle/>
           <a:p>
-            <a:r>
-              <a:rPr kumimoji="1" lang="en-US" altLang="ja-JP" dirty="0"/>
-              <a:t>Evaluate</a:t>
-            </a:r>
-            <a:r>
-              <a:rPr kumimoji="1" lang="ja-JP" altLang="en-US" dirty="0"/>
-              <a:t>の部分は詳しい説明が必要</a:t>
-            </a:r>
+            <a:endParaRPr kumimoji="1" lang="ja-JP" altLang="en-US" dirty="0"/>
           </a:p>
         </p:txBody>
       </p:sp>
@@ -1093,13 +1086,18 @@
           <a:lstStyle/>
           <a:p>
             <a:r>
+              <a:rPr kumimoji="1" lang="ja-JP" altLang="en-US" dirty="0"/>
+              <a:t>これだけだと</a:t>
+            </a:r>
+            <a:r>
               <a:rPr kumimoji="1" lang="en-US" altLang="ja-JP" dirty="0"/>
-              <a:t>Evaluate</a:t>
-            </a:r>
-            <a:r>
-              <a:rPr kumimoji="1" lang="ja-JP" altLang="en-US" dirty="0"/>
-              <a:t>の部分は詳しい説明が必要</a:t>
-            </a:r>
+              <a:t>yahoo</a:t>
+            </a:r>
+            <a:r>
+              <a:rPr kumimoji="1" lang="ja-JP" altLang="en-US"/>
+              <a:t>知恵袋と同じだから以降で説明する特長で違いをあきらかにする。</a:t>
+            </a:r>
+            <a:endParaRPr kumimoji="1" lang="ja-JP" altLang="en-US" dirty="0"/>
           </a:p>
         </p:txBody>
       </p:sp>
@@ -8977,14 +8975,10 @@
             </a:r>
             <a:r>
               <a:rPr lang="ja-JP" altLang="en-US" sz="2500" dirty="0"/>
-              <a:t>（質問者は、解答者からの</a:t>
-            </a:r>
-            <a:r>
-              <a:rPr lang="ja-JP" altLang="en-US" sz="2500"/>
-              <a:t>解答を</a:t>
-            </a:r>
-            <a:r>
-              <a:rPr lang="ja-JP" altLang="en-US" sz="2500">
+              <a:t>（質問者は、解答者からの解答を</a:t>
+            </a:r>
+            <a:r>
+              <a:rPr lang="ja-JP" altLang="en-US" sz="2500" dirty="0">
                 <a:solidFill>
                   <a:srgbClr val="FF0000"/>
                 </a:solidFill>
